--- a/paper/resource/procedure.pptx
+++ b/paper/resource/procedure.pptx
@@ -285,7 +285,7 @@
           <a:lstStyle/>
           <a:p>
             <a:fld id="{FABA3781-12F1-E44A-9C2F-B8BBA17D465C}" type="datetimeFigureOut">
-              <a:t>15/06/08</a:t>
+              <a:t>16/01/20</a:t>
             </a:fld>
             <a:endParaRPr kumimoji="1" lang="ja-JP" altLang="en-US"/>
           </a:p>
@@ -483,7 +483,7 @@
           <a:lstStyle/>
           <a:p>
             <a:fld id="{FABA3781-12F1-E44A-9C2F-B8BBA17D465C}" type="datetimeFigureOut">
-              <a:t>15/06/08</a:t>
+              <a:t>16/01/20</a:t>
             </a:fld>
             <a:endParaRPr kumimoji="1" lang="ja-JP" altLang="en-US"/>
           </a:p>
@@ -691,7 +691,7 @@
           <a:lstStyle/>
           <a:p>
             <a:fld id="{FABA3781-12F1-E44A-9C2F-B8BBA17D465C}" type="datetimeFigureOut">
-              <a:t>15/06/08</a:t>
+              <a:t>16/01/20</a:t>
             </a:fld>
             <a:endParaRPr kumimoji="1" lang="ja-JP" altLang="en-US"/>
           </a:p>
@@ -889,7 +889,7 @@
           <a:lstStyle/>
           <a:p>
             <a:fld id="{FABA3781-12F1-E44A-9C2F-B8BBA17D465C}" type="datetimeFigureOut">
-              <a:t>15/06/08</a:t>
+              <a:t>16/01/20</a:t>
             </a:fld>
             <a:endParaRPr kumimoji="1" lang="ja-JP" altLang="en-US"/>
           </a:p>
@@ -1132,7 +1132,7 @@
           <a:lstStyle/>
           <a:p>
             <a:fld id="{FABA3781-12F1-E44A-9C2F-B8BBA17D465C}" type="datetimeFigureOut">
-              <a:t>15/06/08</a:t>
+              <a:t>16/01/20</a:t>
             </a:fld>
             <a:endParaRPr kumimoji="1" lang="ja-JP" altLang="en-US"/>
           </a:p>
@@ -1479,7 +1479,7 @@
           <a:lstStyle/>
           <a:p>
             <a:fld id="{FABA3781-12F1-E44A-9C2F-B8BBA17D465C}" type="datetimeFigureOut">
-              <a:t>15/06/08</a:t>
+              <a:t>16/01/20</a:t>
             </a:fld>
             <a:endParaRPr kumimoji="1" lang="ja-JP" altLang="en-US"/>
           </a:p>
@@ -1960,7 +1960,7 @@
           <a:lstStyle/>
           <a:p>
             <a:fld id="{FABA3781-12F1-E44A-9C2F-B8BBA17D465C}" type="datetimeFigureOut">
-              <a:t>15/06/08</a:t>
+              <a:t>16/01/20</a:t>
             </a:fld>
             <a:endParaRPr kumimoji="1" lang="ja-JP" altLang="en-US"/>
           </a:p>
@@ -2075,7 +2075,7 @@
           <a:lstStyle/>
           <a:p>
             <a:fld id="{FABA3781-12F1-E44A-9C2F-B8BBA17D465C}" type="datetimeFigureOut">
-              <a:t>15/06/08</a:t>
+              <a:t>16/01/20</a:t>
             </a:fld>
             <a:endParaRPr kumimoji="1" lang="ja-JP" altLang="en-US"/>
           </a:p>
@@ -2168,7 +2168,7 @@
           <a:lstStyle/>
           <a:p>
             <a:fld id="{FABA3781-12F1-E44A-9C2F-B8BBA17D465C}" type="datetimeFigureOut">
-              <a:t>15/06/08</a:t>
+              <a:t>16/01/20</a:t>
             </a:fld>
             <a:endParaRPr kumimoji="1" lang="ja-JP" altLang="en-US"/>
           </a:p>
@@ -2473,7 +2473,7 @@
           <a:lstStyle/>
           <a:p>
             <a:fld id="{FABA3781-12F1-E44A-9C2F-B8BBA17D465C}" type="datetimeFigureOut">
-              <a:t>15/06/08</a:t>
+              <a:t>16/01/20</a:t>
             </a:fld>
             <a:endParaRPr kumimoji="1" lang="ja-JP" altLang="en-US"/>
           </a:p>
@@ -2723,7 +2723,7 @@
           <a:lstStyle/>
           <a:p>
             <a:fld id="{FABA3781-12F1-E44A-9C2F-B8BBA17D465C}" type="datetimeFigureOut">
-              <a:t>15/06/08</a:t>
+              <a:t>16/01/20</a:t>
             </a:fld>
             <a:endParaRPr kumimoji="1" lang="ja-JP" altLang="en-US"/>
           </a:p>
@@ -2964,7 +2964,7 @@
           </a:lstStyle>
           <a:p>
             <a:fld id="{FABA3781-12F1-E44A-9C2F-B8BBA17D465C}" type="datetimeFigureOut">
-              <a:t>15/06/08</a:t>
+              <a:t>16/01/20</a:t>
             </a:fld>
             <a:endParaRPr kumimoji="1" lang="ja-JP" altLang="en-US"/>
           </a:p>
@@ -4959,8 +4959,8 @@
           </a:p>
         </p:txBody>
       </p:sp>
-      <mc:AlternateContent xmlns:mc="http://schemas.openxmlformats.org/markup-compatibility/2006">
-        <mc:Choice xmlns:a14="http://schemas.microsoft.com/office/drawing/2010/main" Requires="a14">
+      <mc:AlternateContent xmlns:mc="http://schemas.openxmlformats.org/markup-compatibility/2006" xmlns:a14="http://schemas.microsoft.com/office/drawing/2010/main">
+        <mc:Choice Requires="a14">
           <p:sp>
             <p:nvSpPr>
               <p:cNvPr id="29" name="テキスト ボックス 28"/>
@@ -4984,7 +4984,7 @@
               <a:lstStyle/>
               <a:p>
                 <a14:m>
-                  <m:oMathPara xmlns:m="http://schemas.openxmlformats.org/officeDocument/2006/math" xmlns="">
+                  <m:oMathPara xmlns="" xmlns:m="http://schemas.openxmlformats.org/officeDocument/2006/math">
                     <m:oMathParaPr>
                       <m:jc m:val="centerGroup"/>
                     </m:oMathParaPr>
@@ -5040,7 +5040,7 @@
             </p:txBody>
           </p:sp>
         </mc:Choice>
-        <mc:Fallback>
+        <mc:Fallback xmlns="">
           <p:sp>
             <p:nvSpPr>
               <p:cNvPr id="29" name="テキスト ボックス 28"/>
@@ -5079,8 +5079,8 @@
           </p:sp>
         </mc:Fallback>
       </mc:AlternateContent>
-      <mc:AlternateContent xmlns:mc="http://schemas.openxmlformats.org/markup-compatibility/2006">
-        <mc:Choice xmlns:a14="http://schemas.microsoft.com/office/drawing/2010/main" Requires="a14">
+      <mc:AlternateContent xmlns:mc="http://schemas.openxmlformats.org/markup-compatibility/2006" xmlns:a14="http://schemas.microsoft.com/office/drawing/2010/main">
+        <mc:Choice Requires="a14">
           <p:sp>
             <p:nvSpPr>
               <p:cNvPr id="30" name="テキスト ボックス 29"/>
@@ -5104,7 +5104,7 @@
               <a:lstStyle/>
               <a:p>
                 <a14:m>
-                  <m:oMathPara xmlns:m="http://schemas.openxmlformats.org/officeDocument/2006/math" xmlns="">
+                  <m:oMathPara xmlns="" xmlns:m="http://schemas.openxmlformats.org/officeDocument/2006/math">
                     <m:oMathParaPr>
                       <m:jc m:val="centerGroup"/>
                     </m:oMathParaPr>
@@ -5159,7 +5159,7 @@
               </a:p>
               <a:p>
                 <a14:m>
-                  <m:oMathPara xmlns:m="http://schemas.openxmlformats.org/officeDocument/2006/math" xmlns="">
+                  <m:oMathPara xmlns="" xmlns:m="http://schemas.openxmlformats.org/officeDocument/2006/math">
                     <m:oMathParaPr>
                       <m:jc m:val="centerGroup"/>
                     </m:oMathParaPr>
@@ -5186,7 +5186,7 @@
             </p:txBody>
           </p:sp>
         </mc:Choice>
-        <mc:Fallback>
+        <mc:Fallback xmlns="">
           <p:sp>
             <p:nvSpPr>
               <p:cNvPr id="30" name="テキスト ボックス 29"/>
@@ -5225,8 +5225,8 @@
           </p:sp>
         </mc:Fallback>
       </mc:AlternateContent>
-      <mc:AlternateContent xmlns:mc="http://schemas.openxmlformats.org/markup-compatibility/2006">
-        <mc:Choice xmlns:a14="http://schemas.microsoft.com/office/drawing/2010/main" Requires="a14">
+      <mc:AlternateContent xmlns:mc="http://schemas.openxmlformats.org/markup-compatibility/2006" xmlns:a14="http://schemas.microsoft.com/office/drawing/2010/main">
+        <mc:Choice Requires="a14">
           <p:sp>
             <p:nvSpPr>
               <p:cNvPr id="31" name="テキスト ボックス 30"/>
@@ -5250,7 +5250,7 @@
               <a:lstStyle/>
               <a:p>
                 <a14:m>
-                  <m:oMathPara xmlns:m="http://schemas.openxmlformats.org/officeDocument/2006/math" xmlns="">
+                  <m:oMathPara xmlns="" xmlns:m="http://schemas.openxmlformats.org/officeDocument/2006/math">
                     <m:oMathParaPr>
                       <m:jc m:val="centerGroup"/>
                     </m:oMathParaPr>
@@ -5306,7 +5306,7 @@
             </p:txBody>
           </p:sp>
         </mc:Choice>
-        <mc:Fallback>
+        <mc:Fallback xmlns="">
           <p:sp>
             <p:nvSpPr>
               <p:cNvPr id="31" name="テキスト ボックス 30"/>
@@ -5345,8 +5345,8 @@
           </p:sp>
         </mc:Fallback>
       </mc:AlternateContent>
-      <mc:AlternateContent xmlns:mc="http://schemas.openxmlformats.org/markup-compatibility/2006">
-        <mc:Choice xmlns:a14="http://schemas.microsoft.com/office/drawing/2010/main" Requires="a14">
+      <mc:AlternateContent xmlns:mc="http://schemas.openxmlformats.org/markup-compatibility/2006" xmlns:a14="http://schemas.microsoft.com/office/drawing/2010/main">
+        <mc:Choice Requires="a14">
           <p:sp>
             <p:nvSpPr>
               <p:cNvPr id="32" name="テキスト ボックス 31"/>
@@ -5370,7 +5370,7 @@
               <a:lstStyle/>
               <a:p>
                 <a14:m>
-                  <m:oMathPara xmlns:m="http://schemas.openxmlformats.org/officeDocument/2006/math" xmlns="">
+                  <m:oMathPara xmlns="" xmlns:m="http://schemas.openxmlformats.org/officeDocument/2006/math">
                     <m:oMathParaPr>
                       <m:jc m:val="centerGroup"/>
                     </m:oMathParaPr>
@@ -5442,7 +5442,7 @@
             </p:txBody>
           </p:sp>
         </mc:Choice>
-        <mc:Fallback>
+        <mc:Fallback xmlns="">
           <p:sp>
             <p:nvSpPr>
               <p:cNvPr id="32" name="テキスト ボックス 31"/>
@@ -5519,7 +5519,7 @@
         </p:nvSpPr>
         <p:spPr>
           <a:xfrm>
-            <a:off x="5956259" y="3315845"/>
+            <a:off x="6119708" y="3340995"/>
             <a:ext cx="633507" cy="307777"/>
           </a:xfrm>
           <a:prstGeom prst="rect">
@@ -5560,7 +5560,7 @@
         </p:nvSpPr>
         <p:spPr>
           <a:xfrm>
-            <a:off x="7217704" y="3325429"/>
+            <a:off x="7390020" y="3342543"/>
             <a:ext cx="671979" cy="307777"/>
           </a:xfrm>
           <a:prstGeom prst="rect">
@@ -5760,9 +5760,9 @@
           <p:nvPr/>
         </p:nvCxnSpPr>
         <p:spPr>
-          <a:xfrm>
-            <a:off x="8347637" y="2873871"/>
-            <a:ext cx="560684" cy="3940"/>
+          <a:xfrm flipH="1">
+            <a:off x="4536128" y="3734376"/>
+            <a:ext cx="1078908" cy="553642"/>
           </a:xfrm>
           <a:prstGeom prst="straightConnector1">
             <a:avLst/>
@@ -5789,7 +5789,7 @@
         </p:nvSpPr>
         <p:spPr>
           <a:xfrm>
-            <a:off x="8887996" y="1308824"/>
+            <a:off x="6323024" y="4603431"/>
             <a:ext cx="1451427" cy="646331"/>
           </a:xfrm>
           <a:prstGeom prst="rect">
@@ -5805,7 +5805,7 @@
           <a:p>
             <a:r>
               <a:rPr lang="en-US" altLang="ja-JP"/>
-              <a:t>4</a:t>
+              <a:t>5</a:t>
             </a:r>
             <a:r>
               <a:rPr kumimoji="1" lang="en-US" altLang="ja-JP"/>
@@ -5830,8 +5830,8 @@
         </p:nvSpPr>
         <p:spPr>
           <a:xfrm>
-            <a:off x="9008157" y="2400096"/>
-            <a:ext cx="1279080" cy="852555"/>
+            <a:off x="6677132" y="5306501"/>
+            <a:ext cx="1081143" cy="741994"/>
           </a:xfrm>
           <a:prstGeom prst="rect">
             <a:avLst/>
@@ -5858,7 +5858,7 @@
             <a:pPr algn="ctr"/>
             <a:r>
               <a:rPr kumimoji="1" lang="en-US" altLang="ja-JP"/>
-              <a:t>Precision</a:t>
+              <a:t>MRR</a:t>
             </a:r>
           </a:p>
           <a:p>
@@ -5871,6 +5871,961 @@
           </a:p>
         </p:txBody>
       </p:sp>
+      <p:sp>
+        <p:nvSpPr>
+          <p:cNvPr id="47" name="角丸四角形 46"/>
+          <p:cNvSpPr/>
+          <p:nvPr/>
+        </p:nvSpPr>
+        <p:spPr>
+          <a:xfrm>
+            <a:off x="746847" y="5000938"/>
+            <a:ext cx="1059462" cy="1047557"/>
+          </a:xfrm>
+          <a:prstGeom prst="roundRect">
+            <a:avLst/>
+          </a:prstGeom>
+          <a:solidFill>
+            <a:sysClr val="window" lastClr="FFFFFF"/>
+          </a:solidFill>
+          <a:ln w="25400" cap="flat" cmpd="sng" algn="ctr">
+            <a:solidFill>
+              <a:srgbClr val="4F81BD">
+                <a:lumMod val="60000"/>
+                <a:lumOff val="40000"/>
+              </a:srgbClr>
+            </a:solidFill>
+            <a:prstDash val="solid"/>
+          </a:ln>
+          <a:effectLst/>
+        </p:spPr>
+        <p:txBody>
+          <a:bodyPr rtlCol="0" anchor="ctr"/>
+          <a:lstStyle/>
+          <a:p>
+            <a:pPr marL="0" marR="0" lvl="0" indent="0" algn="ctr" defTabSz="914400" eaLnBrk="1" fontAlgn="auto" latinLnBrk="0" hangingPunct="1">
+              <a:lnSpc>
+                <a:spcPct val="100000"/>
+              </a:lnSpc>
+              <a:spcBef>
+                <a:spcPts val="0"/>
+              </a:spcBef>
+              <a:spcAft>
+                <a:spcPts val="0"/>
+              </a:spcAft>
+              <a:buClrTx/>
+              <a:buSzTx/>
+              <a:buFontTx/>
+              <a:buNone/>
+              <a:tabLst/>
+              <a:defRPr/>
+            </a:pPr>
+            <a:endParaRPr kumimoji="0" lang="ja-JP" altLang="en-US" sz="2400" b="0" i="0" u="none" strike="noStrike" kern="0" cap="none" spc="0" normalizeH="0" baseline="0" noProof="0" smtClean="0">
+              <a:ln>
+                <a:noFill/>
+              </a:ln>
+              <a:solidFill>
+                <a:prstClr val="white"/>
+              </a:solidFill>
+              <a:effectLst/>
+              <a:uLnTx/>
+              <a:uFillTx/>
+              <a:latin typeface="Calibri"/>
+              <a:ea typeface="ＭＳ Ｐゴシック"/>
+              <a:cs typeface="+mn-cs"/>
+            </a:endParaRPr>
+          </a:p>
+        </p:txBody>
+      </p:sp>
+      <p:sp>
+        <p:nvSpPr>
+          <p:cNvPr id="48" name="縦巻き 47"/>
+          <p:cNvSpPr/>
+          <p:nvPr/>
+        </p:nvSpPr>
+        <p:spPr>
+          <a:xfrm>
+            <a:off x="1184776" y="5085324"/>
+            <a:ext cx="123765" cy="180236"/>
+          </a:xfrm>
+          <a:prstGeom prst="verticalScroll">
+            <a:avLst/>
+          </a:prstGeom>
+          <a:solidFill>
+            <a:sysClr val="window" lastClr="FFFFFF"/>
+          </a:solidFill>
+          <a:ln w="25400" cap="flat" cmpd="sng" algn="ctr">
+            <a:solidFill>
+              <a:srgbClr val="4F81BD">
+                <a:lumMod val="60000"/>
+                <a:lumOff val="40000"/>
+              </a:srgbClr>
+            </a:solidFill>
+            <a:prstDash val="solid"/>
+          </a:ln>
+          <a:effectLst/>
+        </p:spPr>
+        <p:txBody>
+          <a:bodyPr rtlCol="0" anchor="ctr"/>
+          <a:lstStyle/>
+          <a:p>
+            <a:pPr marL="0" marR="0" lvl="0" indent="0" algn="ctr" defTabSz="914400" eaLnBrk="1" fontAlgn="auto" latinLnBrk="0" hangingPunct="1">
+              <a:lnSpc>
+                <a:spcPct val="100000"/>
+              </a:lnSpc>
+              <a:spcBef>
+                <a:spcPts val="0"/>
+              </a:spcBef>
+              <a:spcAft>
+                <a:spcPts val="0"/>
+              </a:spcAft>
+              <a:buClrTx/>
+              <a:buSzTx/>
+              <a:buFontTx/>
+              <a:buNone/>
+              <a:tabLst/>
+              <a:defRPr/>
+            </a:pPr>
+            <a:endParaRPr kumimoji="0" lang="ja-JP" altLang="en-US" sz="2400" b="0" i="0" u="none" strike="noStrike" kern="0" cap="none" spc="0" normalizeH="0" baseline="0" noProof="0" smtClean="0">
+              <a:ln>
+                <a:noFill/>
+              </a:ln>
+              <a:solidFill>
+                <a:prstClr val="white"/>
+              </a:solidFill>
+              <a:effectLst/>
+              <a:uLnTx/>
+              <a:uFillTx/>
+              <a:latin typeface="Calibri"/>
+              <a:ea typeface="ＭＳ Ｐゴシック"/>
+              <a:cs typeface="+mn-cs"/>
+            </a:endParaRPr>
+          </a:p>
+        </p:txBody>
+      </p:sp>
+      <p:sp>
+        <p:nvSpPr>
+          <p:cNvPr id="49" name="フローチャート : 準備 996"/>
+          <p:cNvSpPr/>
+          <p:nvPr/>
+        </p:nvSpPr>
+        <p:spPr>
+          <a:xfrm>
+            <a:off x="846639" y="5101843"/>
+            <a:ext cx="160682" cy="147197"/>
+          </a:xfrm>
+          <a:prstGeom prst="flowChartPreparation">
+            <a:avLst/>
+          </a:prstGeom>
+          <a:solidFill>
+            <a:sysClr val="window" lastClr="FFFFFF"/>
+          </a:solidFill>
+          <a:ln w="25400" cap="flat" cmpd="sng" algn="ctr">
+            <a:solidFill>
+              <a:srgbClr val="4F81BD">
+                <a:lumMod val="60000"/>
+                <a:lumOff val="40000"/>
+              </a:srgbClr>
+            </a:solidFill>
+            <a:prstDash val="solid"/>
+          </a:ln>
+          <a:effectLst/>
+        </p:spPr>
+        <p:txBody>
+          <a:bodyPr rtlCol="0" anchor="ctr"/>
+          <a:lstStyle/>
+          <a:p>
+            <a:pPr marL="0" marR="0" lvl="0" indent="0" algn="ctr" defTabSz="914400" eaLnBrk="1" fontAlgn="auto" latinLnBrk="0" hangingPunct="1">
+              <a:lnSpc>
+                <a:spcPct val="100000"/>
+              </a:lnSpc>
+              <a:spcBef>
+                <a:spcPts val="0"/>
+              </a:spcBef>
+              <a:spcAft>
+                <a:spcPts val="0"/>
+              </a:spcAft>
+              <a:buClrTx/>
+              <a:buSzTx/>
+              <a:buFontTx/>
+              <a:buNone/>
+              <a:tabLst/>
+              <a:defRPr/>
+            </a:pPr>
+            <a:endParaRPr kumimoji="0" lang="ja-JP" altLang="en-US" sz="2400" b="0" i="0" u="none" strike="noStrike" kern="0" cap="none" spc="0" normalizeH="0" baseline="0" noProof="0" smtClean="0">
+              <a:ln>
+                <a:noFill/>
+              </a:ln>
+              <a:solidFill>
+                <a:prstClr val="white"/>
+              </a:solidFill>
+              <a:effectLst/>
+              <a:uLnTx/>
+              <a:uFillTx/>
+              <a:latin typeface="Calibri"/>
+              <a:ea typeface="ＭＳ Ｐゴシック"/>
+              <a:cs typeface="+mn-cs"/>
+            </a:endParaRPr>
+          </a:p>
+        </p:txBody>
+      </p:sp>
+      <p:cxnSp>
+        <p:nvCxnSpPr>
+          <p:cNvPr id="50" name="直線矢印コネクタ 49"/>
+          <p:cNvCxnSpPr>
+            <a:stCxn id="49" idx="3"/>
+            <a:endCxn id="48" idx="1"/>
+          </p:cNvCxnSpPr>
+          <p:nvPr/>
+        </p:nvCxnSpPr>
+        <p:spPr>
+          <a:xfrm>
+            <a:off x="1007321" y="5175442"/>
+            <a:ext cx="192926" cy="0"/>
+          </a:xfrm>
+          <a:prstGeom prst="straightConnector1">
+            <a:avLst/>
+          </a:prstGeom>
+          <a:noFill/>
+          <a:ln w="57150" cap="flat" cmpd="sng" algn="ctr">
+            <a:solidFill>
+              <a:srgbClr val="4F81BD">
+                <a:lumMod val="60000"/>
+                <a:lumOff val="40000"/>
+              </a:srgbClr>
+            </a:solidFill>
+            <a:prstDash val="solid"/>
+            <a:headEnd type="none" w="med" len="med"/>
+            <a:tailEnd type="none" w="med" len="med"/>
+          </a:ln>
+          <a:effectLst/>
+        </p:spPr>
+      </p:cxnSp>
+      <p:sp>
+        <p:nvSpPr>
+          <p:cNvPr id="38" name="メモ 37"/>
+          <p:cNvSpPr/>
+          <p:nvPr/>
+        </p:nvSpPr>
+        <p:spPr>
+          <a:xfrm>
+            <a:off x="865156" y="5370017"/>
+            <a:ext cx="373994" cy="369332"/>
+          </a:xfrm>
+          <a:prstGeom prst="foldedCorner">
+            <a:avLst/>
+          </a:prstGeom>
+          <a:solidFill>
+            <a:schemeClr val="tx2">
+              <a:lumMod val="20000"/>
+              <a:lumOff val="80000"/>
+            </a:schemeClr>
+          </a:solidFill>
+          <a:effectLst/>
+        </p:spPr>
+        <p:style>
+          <a:lnRef idx="1">
+            <a:schemeClr val="accent1"/>
+          </a:lnRef>
+          <a:fillRef idx="3">
+            <a:schemeClr val="accent1"/>
+          </a:fillRef>
+          <a:effectRef idx="2">
+            <a:schemeClr val="accent1"/>
+          </a:effectRef>
+          <a:fontRef idx="minor">
+            <a:schemeClr val="lt1"/>
+          </a:fontRef>
+        </p:style>
+        <p:txBody>
+          <a:bodyPr rtlCol="0" anchor="ctr"/>
+          <a:lstStyle/>
+          <a:p>
+            <a:pPr algn="ctr"/>
+            <a:r>
+              <a:rPr kumimoji="1" lang="en-US" altLang="ja-JP" b="1" i="1">
+                <a:solidFill>
+                  <a:srgbClr val="000000"/>
+                </a:solidFill>
+              </a:rPr>
+              <a:t>A</a:t>
+            </a:r>
+            <a:endParaRPr kumimoji="1" lang="ja-JP" altLang="en-US" b="1" i="1">
+              <a:solidFill>
+                <a:srgbClr val="000000"/>
+              </a:solidFill>
+            </a:endParaRPr>
+          </a:p>
+        </p:txBody>
+      </p:sp>
+      <p:sp>
+        <p:nvSpPr>
+          <p:cNvPr id="52" name="メモ 51"/>
+          <p:cNvSpPr/>
+          <p:nvPr/>
+        </p:nvSpPr>
+        <p:spPr>
+          <a:xfrm>
+            <a:off x="1293176" y="5554683"/>
+            <a:ext cx="373994" cy="369332"/>
+          </a:xfrm>
+          <a:prstGeom prst="foldedCorner">
+            <a:avLst/>
+          </a:prstGeom>
+          <a:solidFill>
+            <a:schemeClr val="tx2">
+              <a:lumMod val="20000"/>
+              <a:lumOff val="80000"/>
+            </a:schemeClr>
+          </a:solidFill>
+          <a:effectLst/>
+        </p:spPr>
+        <p:style>
+          <a:lnRef idx="1">
+            <a:schemeClr val="accent1"/>
+          </a:lnRef>
+          <a:fillRef idx="3">
+            <a:schemeClr val="accent1"/>
+          </a:fillRef>
+          <a:effectRef idx="2">
+            <a:schemeClr val="accent1"/>
+          </a:effectRef>
+          <a:fontRef idx="minor">
+            <a:schemeClr val="lt1"/>
+          </a:fontRef>
+        </p:style>
+        <p:txBody>
+          <a:bodyPr rtlCol="0" anchor="ctr"/>
+          <a:lstStyle/>
+          <a:p>
+            <a:pPr algn="ctr"/>
+            <a:r>
+              <a:rPr lang="en-US" altLang="ja-JP" b="1" i="1">
+                <a:solidFill>
+                  <a:srgbClr val="000000"/>
+                </a:solidFill>
+              </a:rPr>
+              <a:t>B</a:t>
+            </a:r>
+            <a:endParaRPr kumimoji="1" lang="ja-JP" altLang="en-US" b="1" i="1">
+              <a:solidFill>
+                <a:srgbClr val="000000"/>
+              </a:solidFill>
+            </a:endParaRPr>
+          </a:p>
+        </p:txBody>
+      </p:sp>
+      <p:sp>
+        <p:nvSpPr>
+          <p:cNvPr id="40" name="加算記号 39"/>
+          <p:cNvSpPr/>
+          <p:nvPr/>
+        </p:nvSpPr>
+        <p:spPr>
+          <a:xfrm>
+            <a:off x="1985160" y="5370017"/>
+            <a:ext cx="360000" cy="360000"/>
+          </a:xfrm>
+          <a:prstGeom prst="mathPlus">
+            <a:avLst/>
+          </a:prstGeom>
+          <a:solidFill>
+            <a:schemeClr val="tx2">
+              <a:lumMod val="60000"/>
+              <a:lumOff val="40000"/>
+            </a:schemeClr>
+          </a:solidFill>
+          <a:ln>
+            <a:solidFill>
+              <a:schemeClr val="tx2">
+                <a:lumMod val="20000"/>
+                <a:lumOff val="80000"/>
+              </a:schemeClr>
+            </a:solidFill>
+          </a:ln>
+          <a:effectLst/>
+        </p:spPr>
+        <p:style>
+          <a:lnRef idx="1">
+            <a:schemeClr val="accent1"/>
+          </a:lnRef>
+          <a:fillRef idx="3">
+            <a:schemeClr val="accent1"/>
+          </a:fillRef>
+          <a:effectRef idx="2">
+            <a:schemeClr val="accent1"/>
+          </a:effectRef>
+          <a:fontRef idx="minor">
+            <a:schemeClr val="lt1"/>
+          </a:fontRef>
+        </p:style>
+        <p:txBody>
+          <a:bodyPr rtlCol="0" anchor="ctr"/>
+          <a:lstStyle/>
+          <a:p>
+            <a:pPr algn="ctr"/>
+            <a:endParaRPr kumimoji="1" lang="ja-JP" altLang="en-US"/>
+          </a:p>
+        </p:txBody>
+      </p:sp>
+      <p:sp>
+        <p:nvSpPr>
+          <p:cNvPr id="55" name="角丸四角形 54"/>
+          <p:cNvSpPr/>
+          <p:nvPr/>
+        </p:nvSpPr>
+        <p:spPr>
+          <a:xfrm>
+            <a:off x="2402628" y="5027659"/>
+            <a:ext cx="1098227" cy="1076732"/>
+          </a:xfrm>
+          <a:prstGeom prst="roundRect">
+            <a:avLst/>
+          </a:prstGeom>
+          <a:noFill/>
+          <a:ln>
+            <a:solidFill>
+              <a:srgbClr val="FF0000"/>
+            </a:solidFill>
+            <a:prstDash val="dash"/>
+          </a:ln>
+        </p:spPr>
+        <p:style>
+          <a:lnRef idx="2">
+            <a:schemeClr val="dk1"/>
+          </a:lnRef>
+          <a:fillRef idx="1">
+            <a:schemeClr val="lt1"/>
+          </a:fillRef>
+          <a:effectRef idx="0">
+            <a:schemeClr val="dk1"/>
+          </a:effectRef>
+          <a:fontRef idx="minor">
+            <a:schemeClr val="dk1"/>
+          </a:fontRef>
+        </p:style>
+        <p:txBody>
+          <a:bodyPr rtlCol="0" anchor="ctr"/>
+          <a:lstStyle/>
+          <a:p>
+            <a:pPr algn="ctr"/>
+            <a:endParaRPr kumimoji="1" lang="ja-JP" altLang="en-US"/>
+          </a:p>
+        </p:txBody>
+      </p:sp>
+      <mc:AlternateContent xmlns:mc="http://schemas.openxmlformats.org/markup-compatibility/2006">
+        <mc:Choice xmlns:a14="http://schemas.microsoft.com/office/drawing/2010/main" Requires="a14">
+          <p:sp>
+            <p:nvSpPr>
+              <p:cNvPr id="56" name="テキスト ボックス 55"/>
+              <p:cNvSpPr txBox="1"/>
+              <p:nvPr/>
+            </p:nvSpPr>
+            <p:spPr>
+              <a:xfrm>
+                <a:off x="2418871" y="5190496"/>
+                <a:ext cx="930896" cy="276999"/>
+              </a:xfrm>
+              <a:prstGeom prst="rect">
+                <a:avLst/>
+              </a:prstGeom>
+              <a:noFill/>
+            </p:spPr>
+            <p:txBody>
+              <a:bodyPr wrap="none" rtlCol="0">
+                <a:spAutoFit/>
+              </a:bodyPr>
+              <a:lstStyle/>
+              <a:p>
+                <a14:m>
+                  <m:oMathPara xmlns="" xmlns:m="http://schemas.openxmlformats.org/officeDocument/2006/math">
+                    <m:oMathParaPr>
+                      <m:jc m:val="centerGroup"/>
+                    </m:oMathParaPr>
+                    <m:oMath xmlns:m="http://schemas.openxmlformats.org/officeDocument/2006/math">
+                      <m:d>
+                        <m:dPr>
+                          <m:begChr m:val="{"/>
+                          <m:endChr m:val="}"/>
+                          <m:ctrlPr>
+                            <a:rPr kumimoji="1" lang="en-US" altLang="ja-JP" sz="1200" b="0" i="1" smtClean="0">
+                              <a:latin typeface="Cambria Math" panose="02040503050406030204" pitchFamily="18" charset="0"/>
+                            </a:rPr>
+                          </m:ctrlPr>
+                        </m:dPr>
+                        <m:e>
+                          <m:r>
+                            <a:rPr kumimoji="1" lang="en-US" altLang="ja-JP" sz="1200" b="0" i="1" smtClean="0">
+                              <a:latin typeface="Cambria Math"/>
+                            </a:rPr>
+                            <m:t>𝐴</m:t>
+                          </m:r>
+                          <m:r>
+                            <a:rPr kumimoji="1" lang="en-US" altLang="ja-JP" sz="1200" b="0" i="1" smtClean="0">
+                              <a:latin typeface="Cambria Math"/>
+                            </a:rPr>
+                            <m:t>,</m:t>
+                          </m:r>
+                          <m:r>
+                            <a:rPr kumimoji="1" lang="en-US" altLang="ja-JP" sz="1200" b="0" i="1" smtClean="0">
+                              <a:latin typeface="Cambria Math"/>
+                            </a:rPr>
+                            <m:t>𝐵</m:t>
+                          </m:r>
+                        </m:e>
+                      </m:d>
+                      <m:r>
+                        <a:rPr kumimoji="1" lang="en-US" altLang="ja-JP" sz="1200" b="0" i="1" smtClean="0">
+                          <a:latin typeface="Cambria Math"/>
+                        </a:rPr>
+                        <m:t>⇒</m:t>
+                      </m:r>
+                      <m:r>
+                        <a:rPr kumimoji="1" lang="en-US" altLang="ja-JP" sz="1200" b="0" i="1" smtClean="0">
+                          <a:latin typeface="Cambria Math"/>
+                        </a:rPr>
+                        <m:t>𝑋</m:t>
+                      </m:r>
+                    </m:oMath>
+                  </m:oMathPara>
+                </a14:m>
+                <a:endParaRPr kumimoji="1" lang="ja-JP" altLang="en-US" sz="1200" dirty="0"/>
+              </a:p>
+            </p:txBody>
+          </p:sp>
+        </mc:Choice>
+        <mc:Fallback>
+          <p:sp>
+            <p:nvSpPr>
+              <p:cNvPr id="56" name="テキスト ボックス 55"/>
+              <p:cNvSpPr txBox="1">
+                <a:spLocks noRot="1" noChangeAspect="1" noMove="1" noResize="1" noEditPoints="1" noAdjustHandles="1" noChangeArrowheads="1" noChangeShapeType="1" noTextEdit="1"/>
+              </p:cNvSpPr>
+              <p:nvPr/>
+            </p:nvSpPr>
+            <p:spPr>
+              <a:xfrm>
+                <a:off x="2418871" y="5190496"/>
+                <a:ext cx="930896" cy="276999"/>
+              </a:xfrm>
+              <a:prstGeom prst="rect">
+                <a:avLst/>
+              </a:prstGeom>
+              <a:blipFill rotWithShape="1">
+                <a:blip r:embed="rId8"/>
+                <a:stretch>
+                  <a:fillRect r="-9091" b="-26087"/>
+                </a:stretch>
+              </a:blipFill>
+            </p:spPr>
+            <p:txBody>
+              <a:bodyPr/>
+              <a:lstStyle/>
+              <a:p>
+                <a:r>
+                  <a:rPr lang="ja-JP" altLang="en-US">
+                    <a:noFill/>
+                  </a:rPr>
+                  <a:t> </a:t>
+                </a:r>
+              </a:p>
+            </p:txBody>
+          </p:sp>
+        </mc:Fallback>
+      </mc:AlternateContent>
+      <mc:AlternateContent xmlns:mc="http://schemas.openxmlformats.org/markup-compatibility/2006">
+        <mc:Choice xmlns:a14="http://schemas.microsoft.com/office/drawing/2010/main" Requires="a14">
+          <p:sp>
+            <p:nvSpPr>
+              <p:cNvPr id="57" name="テキスト ボックス 56"/>
+              <p:cNvSpPr txBox="1"/>
+              <p:nvPr/>
+            </p:nvSpPr>
+            <p:spPr>
+              <a:xfrm>
+                <a:off x="2402628" y="5443158"/>
+                <a:ext cx="949106" cy="461665"/>
+              </a:xfrm>
+              <a:prstGeom prst="rect">
+                <a:avLst/>
+              </a:prstGeom>
+              <a:noFill/>
+            </p:spPr>
+            <p:txBody>
+              <a:bodyPr wrap="none" rtlCol="0">
+                <a:spAutoFit/>
+              </a:bodyPr>
+              <a:lstStyle/>
+              <a:p>
+                <a14:m>
+                  <m:oMathPara xmlns="" xmlns:m="http://schemas.openxmlformats.org/officeDocument/2006/math">
+                    <m:oMathParaPr>
+                      <m:jc m:val="centerGroup"/>
+                    </m:oMathParaPr>
+                    <m:oMath xmlns:m="http://schemas.openxmlformats.org/officeDocument/2006/math">
+                      <m:d>
+                        <m:dPr>
+                          <m:begChr m:val="{"/>
+                          <m:endChr m:val="}"/>
+                          <m:ctrlPr>
+                            <a:rPr kumimoji="1" lang="en-US" altLang="ja-JP" sz="1200" b="0" i="1" smtClean="0">
+                              <a:latin typeface="Cambria Math" panose="02040503050406030204" pitchFamily="18" charset="0"/>
+                            </a:rPr>
+                          </m:ctrlPr>
+                        </m:dPr>
+                        <m:e>
+                          <m:r>
+                            <a:rPr kumimoji="1" lang="en-US" altLang="ja-JP" sz="1200" b="0" i="1" smtClean="0">
+                              <a:latin typeface="Cambria Math"/>
+                            </a:rPr>
+                            <m:t>𝐶</m:t>
+                          </m:r>
+                          <m:r>
+                            <a:rPr kumimoji="1" lang="en-US" altLang="ja-JP" sz="1200" b="0" i="1" smtClean="0">
+                              <a:latin typeface="Cambria Math"/>
+                            </a:rPr>
+                            <m:t>,</m:t>
+                          </m:r>
+                          <m:r>
+                            <a:rPr kumimoji="1" lang="en-US" altLang="ja-JP" sz="1200" b="0" i="1" smtClean="0">
+                              <a:latin typeface="Cambria Math"/>
+                            </a:rPr>
+                            <m:t>𝐵</m:t>
+                          </m:r>
+                        </m:e>
+                      </m:d>
+                      <m:r>
+                        <a:rPr kumimoji="1" lang="en-US" altLang="ja-JP" sz="1200" b="0" i="1" smtClean="0">
+                          <a:latin typeface="Cambria Math"/>
+                        </a:rPr>
+                        <m:t>⇒</m:t>
+                      </m:r>
+                      <m:r>
+                        <a:rPr kumimoji="1" lang="en-US" altLang="ja-JP" sz="1200" b="0" i="1" smtClean="0">
+                          <a:latin typeface="Cambria Math"/>
+                        </a:rPr>
+                        <m:t>𝑌</m:t>
+                      </m:r>
+                    </m:oMath>
+                  </m:oMathPara>
+                </a14:m>
+                <a:endParaRPr kumimoji="1" lang="en-US" altLang="ja-JP" sz="1200" dirty="0" smtClean="0"/>
+              </a:p>
+              <a:p>
+                <a14:m>
+                  <m:oMathPara xmlns="" xmlns:m="http://schemas.openxmlformats.org/officeDocument/2006/math">
+                    <m:oMathParaPr>
+                      <m:jc m:val="centerGroup"/>
+                    </m:oMathParaPr>
+                    <m:oMath xmlns:m="http://schemas.openxmlformats.org/officeDocument/2006/math">
+                      <m:r>
+                        <a:rPr kumimoji="1" lang="en-US" altLang="ja-JP" sz="1200">
+                          <a:latin typeface="Cambria Math"/>
+                          <a:ea typeface="Cambria Math"/>
+                        </a:rPr>
+                        <m:t> </m:t>
+                      </m:r>
+                      <m:r>
+                        <a:rPr kumimoji="1" lang="en-US" altLang="ja-JP" sz="1200" i="1">
+                          <a:latin typeface="Cambria Math"/>
+                          <a:ea typeface="Cambria Math"/>
+                        </a:rPr>
+                        <m:t>⋮</m:t>
+                      </m:r>
+                    </m:oMath>
+                  </m:oMathPara>
+                </a14:m>
+                <a:endParaRPr kumimoji="1" lang="ja-JP" altLang="en-US" sz="1200" dirty="0"/>
+              </a:p>
+            </p:txBody>
+          </p:sp>
+        </mc:Choice>
+        <mc:Fallback>
+          <p:sp>
+            <p:nvSpPr>
+              <p:cNvPr id="57" name="テキスト ボックス 56"/>
+              <p:cNvSpPr txBox="1">
+                <a:spLocks noRot="1" noChangeAspect="1" noMove="1" noResize="1" noEditPoints="1" noAdjustHandles="1" noChangeArrowheads="1" noChangeShapeType="1" noTextEdit="1"/>
+              </p:cNvSpPr>
+              <p:nvPr/>
+            </p:nvSpPr>
+            <p:spPr>
+              <a:xfrm>
+                <a:off x="2402628" y="5443158"/>
+                <a:ext cx="949106" cy="461665"/>
+              </a:xfrm>
+              <a:prstGeom prst="rect">
+                <a:avLst/>
+              </a:prstGeom>
+              <a:blipFill rotWithShape="1">
+                <a:blip r:embed="rId9"/>
+                <a:stretch>
+                  <a:fillRect r="-6410" b="-33766"/>
+                </a:stretch>
+              </a:blipFill>
+            </p:spPr>
+            <p:txBody>
+              <a:bodyPr/>
+              <a:lstStyle/>
+              <a:p>
+                <a:r>
+                  <a:rPr lang="ja-JP" altLang="en-US">
+                    <a:noFill/>
+                  </a:rPr>
+                  <a:t> </a:t>
+                </a:r>
+              </a:p>
+            </p:txBody>
+          </p:sp>
+        </mc:Fallback>
+      </mc:AlternateContent>
+      <p:sp>
+        <p:nvSpPr>
+          <p:cNvPr id="58" name="テキスト ボックス 57"/>
+          <p:cNvSpPr txBox="1"/>
+          <p:nvPr/>
+        </p:nvSpPr>
+        <p:spPr>
+          <a:xfrm>
+            <a:off x="2672506" y="5950502"/>
+            <a:ext cx="633507" cy="307777"/>
+          </a:xfrm>
+          <a:prstGeom prst="rect">
+            <a:avLst/>
+          </a:prstGeom>
+          <a:solidFill>
+            <a:srgbClr val="FF0000"/>
+          </a:solidFill>
+        </p:spPr>
+        <p:txBody>
+          <a:bodyPr wrap="none" rtlCol="0">
+            <a:spAutoFit/>
+          </a:bodyPr>
+          <a:lstStyle/>
+          <a:p>
+            <a:pPr algn="ctr"/>
+            <a:r>
+              <a:rPr kumimoji="1" lang="en-US" altLang="ja-JP" sz="1400" b="1" dirty="0" smtClean="0">
+                <a:solidFill>
+                  <a:schemeClr val="bg1"/>
+                </a:solidFill>
+              </a:rPr>
+              <a:t>co-ref</a:t>
+            </a:r>
+            <a:endParaRPr kumimoji="1" lang="ja-JP" altLang="en-US" sz="1400" b="1" dirty="0">
+              <a:solidFill>
+                <a:schemeClr val="bg1"/>
+              </a:solidFill>
+            </a:endParaRPr>
+          </a:p>
+        </p:txBody>
+      </p:sp>
+      <p:sp>
+        <p:nvSpPr>
+          <p:cNvPr id="59" name="等号 58"/>
+          <p:cNvSpPr/>
+          <p:nvPr/>
+        </p:nvSpPr>
+        <p:spPr>
+          <a:xfrm>
+            <a:off x="3686635" y="5370017"/>
+            <a:ext cx="359145" cy="369332"/>
+          </a:xfrm>
+          <a:prstGeom prst="mathEqual">
+            <a:avLst/>
+          </a:prstGeom>
+          <a:solidFill>
+            <a:srgbClr val="558ED5"/>
+          </a:solidFill>
+          <a:ln>
+            <a:solidFill>
+              <a:srgbClr val="C6D9F1"/>
+            </a:solidFill>
+          </a:ln>
+          <a:effectLst/>
+        </p:spPr>
+        <p:style>
+          <a:lnRef idx="1">
+            <a:schemeClr val="accent1"/>
+          </a:lnRef>
+          <a:fillRef idx="3">
+            <a:schemeClr val="accent1"/>
+          </a:fillRef>
+          <a:effectRef idx="2">
+            <a:schemeClr val="accent1"/>
+          </a:effectRef>
+          <a:fontRef idx="minor">
+            <a:schemeClr val="lt1"/>
+          </a:fontRef>
+        </p:style>
+        <p:txBody>
+          <a:bodyPr rtlCol="0" anchor="ctr"/>
+          <a:lstStyle/>
+          <a:p>
+            <a:pPr algn="ctr"/>
+            <a:endParaRPr kumimoji="1" lang="ja-JP" altLang="en-US">
+              <a:solidFill>
+                <a:schemeClr val="tx1"/>
+              </a:solidFill>
+            </a:endParaRPr>
+          </a:p>
+        </p:txBody>
+      </p:sp>
+      <p:sp>
+        <p:nvSpPr>
+          <p:cNvPr id="60" name="メモ 59"/>
+          <p:cNvSpPr/>
+          <p:nvPr/>
+        </p:nvSpPr>
+        <p:spPr>
+          <a:xfrm>
+            <a:off x="4328746" y="5631783"/>
+            <a:ext cx="373994" cy="369332"/>
+          </a:xfrm>
+          <a:prstGeom prst="foldedCorner">
+            <a:avLst/>
+          </a:prstGeom>
+          <a:solidFill>
+            <a:schemeClr val="tx2">
+              <a:lumMod val="20000"/>
+              <a:lumOff val="80000"/>
+            </a:schemeClr>
+          </a:solidFill>
+          <a:effectLst/>
+        </p:spPr>
+        <p:style>
+          <a:lnRef idx="1">
+            <a:schemeClr val="accent1"/>
+          </a:lnRef>
+          <a:fillRef idx="3">
+            <a:schemeClr val="accent1"/>
+          </a:fillRef>
+          <a:effectRef idx="2">
+            <a:schemeClr val="accent1"/>
+          </a:effectRef>
+          <a:fontRef idx="minor">
+            <a:schemeClr val="lt1"/>
+          </a:fontRef>
+        </p:style>
+        <p:txBody>
+          <a:bodyPr rtlCol="0" anchor="ctr"/>
+          <a:lstStyle/>
+          <a:p>
+            <a:pPr algn="ctr"/>
+            <a:r>
+              <a:rPr lang="en-US" altLang="ja-JP" b="1" i="1">
+                <a:solidFill>
+                  <a:srgbClr val="000000"/>
+                </a:solidFill>
+              </a:rPr>
+              <a:t>X</a:t>
+            </a:r>
+            <a:endParaRPr kumimoji="1" lang="ja-JP" altLang="en-US" b="1" i="1">
+              <a:solidFill>
+                <a:srgbClr val="000000"/>
+              </a:solidFill>
+            </a:endParaRPr>
+          </a:p>
+        </p:txBody>
+      </p:sp>
+      <p:sp>
+        <p:nvSpPr>
+          <p:cNvPr id="61" name="テキスト ボックス 60"/>
+          <p:cNvSpPr txBox="1"/>
+          <p:nvPr/>
+        </p:nvSpPr>
+        <p:spPr>
+          <a:xfrm>
+            <a:off x="4136128" y="5247918"/>
+            <a:ext cx="838691" cy="338554"/>
+          </a:xfrm>
+          <a:prstGeom prst="rect">
+            <a:avLst/>
+          </a:prstGeom>
+          <a:noFill/>
+        </p:spPr>
+        <p:txBody>
+          <a:bodyPr wrap="none" rtlCol="0">
+            <a:spAutoFit/>
+          </a:bodyPr>
+          <a:lstStyle/>
+          <a:p>
+            <a:r>
+              <a:rPr kumimoji="1" lang="en-US" altLang="ja-JP" sz="1600" b="1">
+                <a:latin typeface="+mj-ea"/>
+                <a:ea typeface="+mj-ea"/>
+              </a:rPr>
+              <a:t>Change</a:t>
+            </a:r>
+            <a:endParaRPr kumimoji="1" lang="ja-JP" altLang="en-US" sz="1600" b="1">
+              <a:latin typeface="+mj-ea"/>
+              <a:ea typeface="+mj-ea"/>
+            </a:endParaRPr>
+          </a:p>
+        </p:txBody>
+      </p:sp>
+      <p:sp>
+        <p:nvSpPr>
+          <p:cNvPr id="62" name="テキスト ボックス 61"/>
+          <p:cNvSpPr txBox="1"/>
+          <p:nvPr/>
+        </p:nvSpPr>
+        <p:spPr>
+          <a:xfrm>
+            <a:off x="1190705" y="4468881"/>
+            <a:ext cx="3597109" cy="369332"/>
+          </a:xfrm>
+          <a:prstGeom prst="rect">
+            <a:avLst/>
+          </a:prstGeom>
+          <a:noFill/>
+        </p:spPr>
+        <p:txBody>
+          <a:bodyPr wrap="none" rtlCol="0">
+            <a:spAutoFit/>
+          </a:bodyPr>
+          <a:lstStyle/>
+          <a:p>
+            <a:r>
+              <a:rPr lang="en-US" altLang="ja-JP"/>
+              <a:t>4</a:t>
+            </a:r>
+            <a:r>
+              <a:rPr kumimoji="1" lang="en-US" altLang="ja-JP"/>
+              <a:t>) Perform change recommendation</a:t>
+            </a:r>
+            <a:endParaRPr kumimoji="1" lang="ja-JP" altLang="en-US"/>
+          </a:p>
+        </p:txBody>
+      </p:sp>
+      <p:cxnSp>
+        <p:nvCxnSpPr>
+          <p:cNvPr id="63" name="直線矢印コネクタ 62"/>
+          <p:cNvCxnSpPr/>
+          <p:nvPr/>
+        </p:nvCxnSpPr>
+        <p:spPr>
+          <a:xfrm>
+            <a:off x="5657619" y="5631783"/>
+            <a:ext cx="665405" cy="0"/>
+          </a:xfrm>
+          <a:prstGeom prst="straightConnector1">
+            <a:avLst/>
+          </a:prstGeom>
+          <a:noFill/>
+          <a:ln w="9525" cap="flat" cmpd="sng" algn="ctr">
+            <a:solidFill>
+              <a:srgbClr val="4F81BD">
+                <a:shade val="95000"/>
+                <a:satMod val="105000"/>
+              </a:srgbClr>
+            </a:solidFill>
+            <a:prstDash val="solid"/>
+            <a:tailEnd type="arrow"/>
+          </a:ln>
+          <a:effectLst/>
+        </p:spPr>
+      </p:cxnSp>
     </p:spTree>
     <p:extLst>
       <p:ext uri="{BB962C8B-B14F-4D97-AF65-F5344CB8AC3E}">

--- a/paper/resource/procedure.pptx
+++ b/paper/resource/procedure.pptx
@@ -285,7 +285,7 @@
           <a:lstStyle/>
           <a:p>
             <a:fld id="{FABA3781-12F1-E44A-9C2F-B8BBA17D465C}" type="datetimeFigureOut">
-              <a:t>16/01/20</a:t>
+              <a:t>16/01/21</a:t>
             </a:fld>
             <a:endParaRPr kumimoji="1" lang="ja-JP" altLang="en-US"/>
           </a:p>
@@ -483,7 +483,7 @@
           <a:lstStyle/>
           <a:p>
             <a:fld id="{FABA3781-12F1-E44A-9C2F-B8BBA17D465C}" type="datetimeFigureOut">
-              <a:t>16/01/20</a:t>
+              <a:t>16/01/21</a:t>
             </a:fld>
             <a:endParaRPr kumimoji="1" lang="ja-JP" altLang="en-US"/>
           </a:p>
@@ -691,7 +691,7 @@
           <a:lstStyle/>
           <a:p>
             <a:fld id="{FABA3781-12F1-E44A-9C2F-B8BBA17D465C}" type="datetimeFigureOut">
-              <a:t>16/01/20</a:t>
+              <a:t>16/01/21</a:t>
             </a:fld>
             <a:endParaRPr kumimoji="1" lang="ja-JP" altLang="en-US"/>
           </a:p>
@@ -889,7 +889,7 @@
           <a:lstStyle/>
           <a:p>
             <a:fld id="{FABA3781-12F1-E44A-9C2F-B8BBA17D465C}" type="datetimeFigureOut">
-              <a:t>16/01/20</a:t>
+              <a:t>16/01/21</a:t>
             </a:fld>
             <a:endParaRPr kumimoji="1" lang="ja-JP" altLang="en-US"/>
           </a:p>
@@ -1132,7 +1132,7 @@
           <a:lstStyle/>
           <a:p>
             <a:fld id="{FABA3781-12F1-E44A-9C2F-B8BBA17D465C}" type="datetimeFigureOut">
-              <a:t>16/01/20</a:t>
+              <a:t>16/01/21</a:t>
             </a:fld>
             <a:endParaRPr kumimoji="1" lang="ja-JP" altLang="en-US"/>
           </a:p>
@@ -1479,7 +1479,7 @@
           <a:lstStyle/>
           <a:p>
             <a:fld id="{FABA3781-12F1-E44A-9C2F-B8BBA17D465C}" type="datetimeFigureOut">
-              <a:t>16/01/20</a:t>
+              <a:t>16/01/21</a:t>
             </a:fld>
             <a:endParaRPr kumimoji="1" lang="ja-JP" altLang="en-US"/>
           </a:p>
@@ -1960,7 +1960,7 @@
           <a:lstStyle/>
           <a:p>
             <a:fld id="{FABA3781-12F1-E44A-9C2F-B8BBA17D465C}" type="datetimeFigureOut">
-              <a:t>16/01/20</a:t>
+              <a:t>16/01/21</a:t>
             </a:fld>
             <a:endParaRPr kumimoji="1" lang="ja-JP" altLang="en-US"/>
           </a:p>
@@ -2075,7 +2075,7 @@
           <a:lstStyle/>
           <a:p>
             <a:fld id="{FABA3781-12F1-E44A-9C2F-B8BBA17D465C}" type="datetimeFigureOut">
-              <a:t>16/01/20</a:t>
+              <a:t>16/01/21</a:t>
             </a:fld>
             <a:endParaRPr kumimoji="1" lang="ja-JP" altLang="en-US"/>
           </a:p>
@@ -2168,7 +2168,7 @@
           <a:lstStyle/>
           <a:p>
             <a:fld id="{FABA3781-12F1-E44A-9C2F-B8BBA17D465C}" type="datetimeFigureOut">
-              <a:t>16/01/20</a:t>
+              <a:t>16/01/21</a:t>
             </a:fld>
             <a:endParaRPr kumimoji="1" lang="ja-JP" altLang="en-US"/>
           </a:p>
@@ -2473,7 +2473,7 @@
           <a:lstStyle/>
           <a:p>
             <a:fld id="{FABA3781-12F1-E44A-9C2F-B8BBA17D465C}" type="datetimeFigureOut">
-              <a:t>16/01/20</a:t>
+              <a:t>16/01/21</a:t>
             </a:fld>
             <a:endParaRPr kumimoji="1" lang="ja-JP" altLang="en-US"/>
           </a:p>
@@ -2723,7 +2723,7 @@
           <a:lstStyle/>
           <a:p>
             <a:fld id="{FABA3781-12F1-E44A-9C2F-B8BBA17D465C}" type="datetimeFigureOut">
-              <a:t>16/01/20</a:t>
+              <a:t>16/01/21</a:t>
             </a:fld>
             <a:endParaRPr kumimoji="1" lang="ja-JP" altLang="en-US"/>
           </a:p>
@@ -2964,7 +2964,7 @@
           </a:lstStyle>
           <a:p>
             <a:fld id="{FABA3781-12F1-E44A-9C2F-B8BBA17D465C}" type="datetimeFigureOut">
-              <a:t>16/01/20</a:t>
+              <a:t>16/01/21</a:t>
             </a:fld>
             <a:endParaRPr kumimoji="1" lang="ja-JP" altLang="en-US"/>
           </a:p>
@@ -3346,7 +3346,7 @@
         </p:nvSpPr>
         <p:spPr>
           <a:xfrm>
-            <a:off x="3215325" y="2396141"/>
+            <a:off x="2628666" y="2082114"/>
             <a:ext cx="1411150" cy="713032"/>
           </a:xfrm>
           <a:prstGeom prst="roundRect">
@@ -3406,678 +3406,13 @@
       </p:sp>
       <p:sp>
         <p:nvSpPr>
-          <p:cNvPr id="6" name="縦巻き 5"/>
-          <p:cNvSpPr/>
-          <p:nvPr/>
-        </p:nvSpPr>
-        <p:spPr>
-          <a:xfrm>
-            <a:off x="1237194" y="3347079"/>
-            <a:ext cx="365571" cy="386395"/>
-          </a:xfrm>
-          <a:prstGeom prst="verticalScroll">
-            <a:avLst/>
-          </a:prstGeom>
-          <a:solidFill>
-            <a:sysClr val="window" lastClr="FFFFFF"/>
-          </a:solidFill>
-          <a:ln w="25400" cap="flat" cmpd="sng" algn="ctr">
-            <a:solidFill>
-              <a:sysClr val="window" lastClr="FFFFFF">
-                <a:lumMod val="65000"/>
-              </a:sysClr>
-            </a:solidFill>
-            <a:prstDash val="solid"/>
-          </a:ln>
-          <a:effectLst/>
-        </p:spPr>
-        <p:txBody>
-          <a:bodyPr rtlCol="0" anchor="ctr"/>
-          <a:lstStyle/>
-          <a:p>
-            <a:pPr marL="0" marR="0" lvl="0" indent="0" algn="ctr" defTabSz="914400" eaLnBrk="1" fontAlgn="auto" latinLnBrk="0" hangingPunct="1">
-              <a:lnSpc>
-                <a:spcPct val="100000"/>
-              </a:lnSpc>
-              <a:spcBef>
-                <a:spcPts val="0"/>
-              </a:spcBef>
-              <a:spcAft>
-                <a:spcPts val="0"/>
-              </a:spcAft>
-              <a:buClrTx/>
-              <a:buSzTx/>
-              <a:buFontTx/>
-              <a:buNone/>
-              <a:tabLst/>
-              <a:defRPr/>
-            </a:pPr>
-            <a:endParaRPr kumimoji="0" lang="ja-JP" altLang="en-US" sz="2400" b="0" i="0" u="none" strike="noStrike" kern="0" cap="none" spc="0" normalizeH="0" baseline="0" noProof="0" smtClean="0">
-              <a:ln>
-                <a:noFill/>
-              </a:ln>
-              <a:solidFill>
-                <a:prstClr val="white"/>
-              </a:solidFill>
-              <a:effectLst/>
-              <a:uLnTx/>
-              <a:uFillTx/>
-              <a:latin typeface="Calibri"/>
-              <a:ea typeface="ＭＳ Ｐゴシック"/>
-              <a:cs typeface="+mn-cs"/>
-            </a:endParaRPr>
-          </a:p>
-        </p:txBody>
-      </p:sp>
-      <p:sp>
-        <p:nvSpPr>
-          <p:cNvPr id="7" name="縦巻き 6"/>
-          <p:cNvSpPr/>
-          <p:nvPr/>
-        </p:nvSpPr>
-        <p:spPr>
-          <a:xfrm>
-            <a:off x="1447082" y="3461535"/>
-            <a:ext cx="365571" cy="386395"/>
-          </a:xfrm>
-          <a:prstGeom prst="verticalScroll">
-            <a:avLst/>
-          </a:prstGeom>
-          <a:solidFill>
-            <a:sysClr val="window" lastClr="FFFFFF"/>
-          </a:solidFill>
-          <a:ln w="25400" cap="flat" cmpd="sng" algn="ctr">
-            <a:solidFill>
-              <a:sysClr val="window" lastClr="FFFFFF">
-                <a:lumMod val="65000"/>
-              </a:sysClr>
-            </a:solidFill>
-            <a:prstDash val="solid"/>
-          </a:ln>
-          <a:effectLst/>
-        </p:spPr>
-        <p:txBody>
-          <a:bodyPr rtlCol="0" anchor="ctr"/>
-          <a:lstStyle/>
-          <a:p>
-            <a:pPr marL="0" marR="0" lvl="0" indent="0" algn="ctr" defTabSz="914400" eaLnBrk="1" fontAlgn="auto" latinLnBrk="0" hangingPunct="1">
-              <a:lnSpc>
-                <a:spcPct val="100000"/>
-              </a:lnSpc>
-              <a:spcBef>
-                <a:spcPts val="0"/>
-              </a:spcBef>
-              <a:spcAft>
-                <a:spcPts val="0"/>
-              </a:spcAft>
-              <a:buClrTx/>
-              <a:buSzTx/>
-              <a:buFontTx/>
-              <a:buNone/>
-              <a:tabLst/>
-              <a:defRPr/>
-            </a:pPr>
-            <a:endParaRPr kumimoji="0" lang="ja-JP" altLang="en-US" sz="2400" b="0" i="0" u="none" strike="noStrike" kern="0" cap="none" spc="0" normalizeH="0" baseline="0" noProof="0" smtClean="0">
-              <a:ln>
-                <a:noFill/>
-              </a:ln>
-              <a:solidFill>
-                <a:prstClr val="white"/>
-              </a:solidFill>
-              <a:effectLst/>
-              <a:uLnTx/>
-              <a:uFillTx/>
-              <a:latin typeface="Calibri"/>
-              <a:ea typeface="ＭＳ Ｐゴシック"/>
-              <a:cs typeface="+mn-cs"/>
-            </a:endParaRPr>
-          </a:p>
-        </p:txBody>
-      </p:sp>
-      <p:sp>
-        <p:nvSpPr>
-          <p:cNvPr id="8" name="縦巻き 7"/>
-          <p:cNvSpPr/>
-          <p:nvPr/>
-        </p:nvSpPr>
-        <p:spPr>
-          <a:xfrm>
-            <a:off x="1712842" y="3556952"/>
-            <a:ext cx="365571" cy="386395"/>
-          </a:xfrm>
-          <a:prstGeom prst="verticalScroll">
-            <a:avLst/>
-          </a:prstGeom>
-          <a:solidFill>
-            <a:sysClr val="window" lastClr="FFFFFF"/>
-          </a:solidFill>
-          <a:ln w="25400" cap="flat" cmpd="sng" algn="ctr">
-            <a:solidFill>
-              <a:sysClr val="window" lastClr="FFFFFF">
-                <a:lumMod val="65000"/>
-              </a:sysClr>
-            </a:solidFill>
-            <a:prstDash val="solid"/>
-          </a:ln>
-          <a:effectLst/>
-        </p:spPr>
-        <p:txBody>
-          <a:bodyPr rtlCol="0" anchor="ctr"/>
-          <a:lstStyle/>
-          <a:p>
-            <a:pPr marL="0" marR="0" lvl="0" indent="0" algn="ctr" defTabSz="914400" eaLnBrk="1" fontAlgn="auto" latinLnBrk="0" hangingPunct="1">
-              <a:lnSpc>
-                <a:spcPct val="100000"/>
-              </a:lnSpc>
-              <a:spcBef>
-                <a:spcPts val="0"/>
-              </a:spcBef>
-              <a:spcAft>
-                <a:spcPts val="0"/>
-              </a:spcAft>
-              <a:buClrTx/>
-              <a:buSzTx/>
-              <a:buFontTx/>
-              <a:buNone/>
-              <a:tabLst/>
-              <a:defRPr/>
-            </a:pPr>
-            <a:endParaRPr kumimoji="0" lang="ja-JP" altLang="en-US" sz="2400" b="0" i="0" u="none" strike="noStrike" kern="0" cap="none" spc="0" normalizeH="0" baseline="0" noProof="0" smtClean="0">
-              <a:ln>
-                <a:noFill/>
-              </a:ln>
-              <a:solidFill>
-                <a:prstClr val="white"/>
-              </a:solidFill>
-              <a:effectLst/>
-              <a:uLnTx/>
-              <a:uFillTx/>
-              <a:latin typeface="Calibri"/>
-              <a:ea typeface="ＭＳ Ｐゴシック"/>
-              <a:cs typeface="+mn-cs"/>
-            </a:endParaRPr>
-          </a:p>
-        </p:txBody>
-      </p:sp>
-      <p:sp>
-        <p:nvSpPr>
-          <p:cNvPr id="9" name="縦巻き 8"/>
-          <p:cNvSpPr/>
-          <p:nvPr/>
-        </p:nvSpPr>
-        <p:spPr>
-          <a:xfrm>
-            <a:off x="1045084" y="3487299"/>
-            <a:ext cx="365571" cy="386395"/>
-          </a:xfrm>
-          <a:prstGeom prst="verticalScroll">
-            <a:avLst/>
-          </a:prstGeom>
-          <a:solidFill>
-            <a:sysClr val="window" lastClr="FFFFFF"/>
-          </a:solidFill>
-          <a:ln w="25400" cap="flat" cmpd="sng" algn="ctr">
-            <a:solidFill>
-              <a:sysClr val="window" lastClr="FFFFFF">
-                <a:lumMod val="65000"/>
-              </a:sysClr>
-            </a:solidFill>
-            <a:prstDash val="solid"/>
-          </a:ln>
-          <a:effectLst/>
-        </p:spPr>
-        <p:txBody>
-          <a:bodyPr rtlCol="0" anchor="ctr"/>
-          <a:lstStyle/>
-          <a:p>
-            <a:pPr marL="0" marR="0" lvl="0" indent="0" algn="ctr" defTabSz="914400" eaLnBrk="1" fontAlgn="auto" latinLnBrk="0" hangingPunct="1">
-              <a:lnSpc>
-                <a:spcPct val="100000"/>
-              </a:lnSpc>
-              <a:spcBef>
-                <a:spcPts val="0"/>
-              </a:spcBef>
-              <a:spcAft>
-                <a:spcPts val="0"/>
-              </a:spcAft>
-              <a:buClrTx/>
-              <a:buSzTx/>
-              <a:buFontTx/>
-              <a:buNone/>
-              <a:tabLst/>
-              <a:defRPr/>
-            </a:pPr>
-            <a:endParaRPr kumimoji="0" lang="ja-JP" altLang="en-US" sz="2400" b="0" i="0" u="none" strike="noStrike" kern="0" cap="none" spc="0" normalizeH="0" baseline="0" noProof="0" smtClean="0">
-              <a:ln>
-                <a:noFill/>
-              </a:ln>
-              <a:solidFill>
-                <a:prstClr val="white"/>
-              </a:solidFill>
-              <a:effectLst/>
-              <a:uLnTx/>
-              <a:uFillTx/>
-              <a:latin typeface="Calibri"/>
-              <a:ea typeface="ＭＳ Ｐゴシック"/>
-              <a:cs typeface="+mn-cs"/>
-            </a:endParaRPr>
-          </a:p>
-        </p:txBody>
-      </p:sp>
-      <p:sp>
-        <p:nvSpPr>
-          <p:cNvPr id="10" name="縦巻き 9"/>
-          <p:cNvSpPr/>
-          <p:nvPr/>
-        </p:nvSpPr>
-        <p:spPr>
-          <a:xfrm>
-            <a:off x="1310845" y="3582716"/>
-            <a:ext cx="365571" cy="386395"/>
-          </a:xfrm>
-          <a:prstGeom prst="verticalScroll">
-            <a:avLst/>
-          </a:prstGeom>
-          <a:solidFill>
-            <a:sysClr val="window" lastClr="FFFFFF"/>
-          </a:solidFill>
-          <a:ln w="25400" cap="flat" cmpd="sng" algn="ctr">
-            <a:solidFill>
-              <a:sysClr val="window" lastClr="FFFFFF">
-                <a:lumMod val="65000"/>
-              </a:sysClr>
-            </a:solidFill>
-            <a:prstDash val="solid"/>
-          </a:ln>
-          <a:effectLst/>
-        </p:spPr>
-        <p:txBody>
-          <a:bodyPr rtlCol="0" anchor="ctr"/>
-          <a:lstStyle/>
-          <a:p>
-            <a:pPr marL="0" marR="0" lvl="0" indent="0" algn="ctr" defTabSz="914400" eaLnBrk="1" fontAlgn="auto" latinLnBrk="0" hangingPunct="1">
-              <a:lnSpc>
-                <a:spcPct val="100000"/>
-              </a:lnSpc>
-              <a:spcBef>
-                <a:spcPts val="0"/>
-              </a:spcBef>
-              <a:spcAft>
-                <a:spcPts val="0"/>
-              </a:spcAft>
-              <a:buClrTx/>
-              <a:buSzTx/>
-              <a:buFontTx/>
-              <a:buNone/>
-              <a:tabLst/>
-              <a:defRPr/>
-            </a:pPr>
-            <a:endParaRPr kumimoji="0" lang="ja-JP" altLang="en-US" sz="2400" b="0" i="0" u="none" strike="noStrike" kern="0" cap="none" spc="0" normalizeH="0" baseline="0" noProof="0" smtClean="0">
-              <a:ln>
-                <a:noFill/>
-              </a:ln>
-              <a:solidFill>
-                <a:prstClr val="white"/>
-              </a:solidFill>
-              <a:effectLst/>
-              <a:uLnTx/>
-              <a:uFillTx/>
-              <a:latin typeface="Calibri"/>
-              <a:ea typeface="ＭＳ Ｐゴシック"/>
-              <a:cs typeface="+mn-cs"/>
-            </a:endParaRPr>
-          </a:p>
-        </p:txBody>
-      </p:sp>
-      <p:grpSp>
-        <p:nvGrpSpPr>
-          <p:cNvPr id="11" name="グループ化 983"/>
-          <p:cNvGrpSpPr/>
-          <p:nvPr/>
-        </p:nvGrpSpPr>
-        <p:grpSpPr>
-          <a:xfrm>
-            <a:off x="783448" y="2285460"/>
-            <a:ext cx="1203401" cy="642446"/>
-            <a:chOff x="6212662" y="2215532"/>
-            <a:chExt cx="1671706" cy="871714"/>
-          </a:xfrm>
-        </p:grpSpPr>
-        <p:sp>
-          <p:nvSpPr>
-            <p:cNvPr id="21" name="フローチャート : 準備 984"/>
-            <p:cNvSpPr/>
-            <p:nvPr/>
-          </p:nvSpPr>
-          <p:spPr>
-            <a:xfrm>
-              <a:off x="6212662" y="2256182"/>
-              <a:ext cx="864096" cy="609457"/>
-            </a:xfrm>
-            <a:prstGeom prst="flowChartPreparation">
-              <a:avLst/>
-            </a:prstGeom>
-            <a:solidFill>
-              <a:sysClr val="window" lastClr="FFFFFF"/>
-            </a:solidFill>
-            <a:ln w="25400" cap="flat" cmpd="sng" algn="ctr">
-              <a:solidFill>
-                <a:sysClr val="window" lastClr="FFFFFF">
-                  <a:lumMod val="75000"/>
-                </a:sysClr>
-              </a:solidFill>
-              <a:prstDash val="solid"/>
-            </a:ln>
-            <a:effectLst/>
-          </p:spPr>
-          <p:txBody>
-            <a:bodyPr rtlCol="0" anchor="ctr"/>
-            <a:lstStyle/>
-            <a:p>
-              <a:pPr marL="0" marR="0" lvl="0" indent="0" algn="ctr" defTabSz="914400" eaLnBrk="1" fontAlgn="auto" latinLnBrk="0" hangingPunct="1">
-                <a:lnSpc>
-                  <a:spcPct val="100000"/>
-                </a:lnSpc>
-                <a:spcBef>
-                  <a:spcPts val="0"/>
-                </a:spcBef>
-                <a:spcAft>
-                  <a:spcPts val="0"/>
-                </a:spcAft>
-                <a:buClrTx/>
-                <a:buSzTx/>
-                <a:buFontTx/>
-                <a:buNone/>
-                <a:tabLst/>
-                <a:defRPr/>
-              </a:pPr>
-              <a:endParaRPr kumimoji="0" lang="ja-JP" altLang="en-US" sz="2400" b="0" i="0" u="none" strike="noStrike" kern="0" cap="none" spc="0" normalizeH="0" baseline="0" noProof="0" smtClean="0">
-                <a:ln>
-                  <a:noFill/>
-                </a:ln>
-                <a:solidFill>
-                  <a:prstClr val="white"/>
-                </a:solidFill>
-                <a:effectLst/>
-                <a:uLnTx/>
-                <a:uFillTx/>
-                <a:latin typeface="Calibri"/>
-                <a:ea typeface="ＭＳ Ｐゴシック"/>
-                <a:cs typeface="+mn-cs"/>
-              </a:endParaRPr>
-            </a:p>
-          </p:txBody>
-        </p:sp>
-        <p:sp>
-          <p:nvSpPr>
-            <p:cNvPr id="22" name="フローチャート : 準備 985"/>
-            <p:cNvSpPr/>
-            <p:nvPr/>
-          </p:nvSpPr>
-          <p:spPr>
-            <a:xfrm>
-              <a:off x="6248091" y="2438185"/>
-              <a:ext cx="864096" cy="609457"/>
-            </a:xfrm>
-            <a:prstGeom prst="flowChartPreparation">
-              <a:avLst/>
-            </a:prstGeom>
-            <a:solidFill>
-              <a:sysClr val="window" lastClr="FFFFFF"/>
-            </a:solidFill>
-            <a:ln w="25400" cap="flat" cmpd="sng" algn="ctr">
-              <a:solidFill>
-                <a:sysClr val="window" lastClr="FFFFFF">
-                  <a:lumMod val="75000"/>
-                </a:sysClr>
-              </a:solidFill>
-              <a:prstDash val="solid"/>
-            </a:ln>
-            <a:effectLst/>
-          </p:spPr>
-          <p:txBody>
-            <a:bodyPr rtlCol="0" anchor="ctr"/>
-            <a:lstStyle/>
-            <a:p>
-              <a:pPr marL="0" marR="0" lvl="0" indent="0" algn="ctr" defTabSz="914400" eaLnBrk="1" fontAlgn="auto" latinLnBrk="0" hangingPunct="1">
-                <a:lnSpc>
-                  <a:spcPct val="100000"/>
-                </a:lnSpc>
-                <a:spcBef>
-                  <a:spcPts val="0"/>
-                </a:spcBef>
-                <a:spcAft>
-                  <a:spcPts val="0"/>
-                </a:spcAft>
-                <a:buClrTx/>
-                <a:buSzTx/>
-                <a:buFontTx/>
-                <a:buNone/>
-                <a:tabLst/>
-                <a:defRPr/>
-              </a:pPr>
-              <a:endParaRPr kumimoji="0" lang="ja-JP" altLang="en-US" sz="2400" b="0" i="0" u="none" strike="noStrike" kern="0" cap="none" spc="0" normalizeH="0" baseline="0" noProof="0" smtClean="0">
-                <a:ln>
-                  <a:noFill/>
-                </a:ln>
-                <a:solidFill>
-                  <a:prstClr val="white"/>
-                </a:solidFill>
-                <a:effectLst/>
-                <a:uLnTx/>
-                <a:uFillTx/>
-                <a:latin typeface="Calibri"/>
-                <a:ea typeface="ＭＳ Ｐゴシック"/>
-                <a:cs typeface="+mn-cs"/>
-              </a:endParaRPr>
-            </a:p>
-          </p:txBody>
-        </p:sp>
-        <p:sp>
-          <p:nvSpPr>
-            <p:cNvPr id="23" name="フローチャート : 準備 986"/>
-            <p:cNvSpPr/>
-            <p:nvPr/>
-          </p:nvSpPr>
-          <p:spPr>
-            <a:xfrm>
-              <a:off x="6680139" y="2215532"/>
-              <a:ext cx="864096" cy="609457"/>
-            </a:xfrm>
-            <a:prstGeom prst="flowChartPreparation">
-              <a:avLst/>
-            </a:prstGeom>
-            <a:solidFill>
-              <a:sysClr val="window" lastClr="FFFFFF"/>
-            </a:solidFill>
-            <a:ln w="25400" cap="flat" cmpd="sng" algn="ctr">
-              <a:solidFill>
-                <a:sysClr val="window" lastClr="FFFFFF">
-                  <a:lumMod val="75000"/>
-                </a:sysClr>
-              </a:solidFill>
-              <a:prstDash val="solid"/>
-            </a:ln>
-            <a:effectLst/>
-          </p:spPr>
-          <p:txBody>
-            <a:bodyPr rtlCol="0" anchor="ctr"/>
-            <a:lstStyle/>
-            <a:p>
-              <a:pPr marL="0" marR="0" lvl="0" indent="0" algn="ctr" defTabSz="914400" eaLnBrk="1" fontAlgn="auto" latinLnBrk="0" hangingPunct="1">
-                <a:lnSpc>
-                  <a:spcPct val="100000"/>
-                </a:lnSpc>
-                <a:spcBef>
-                  <a:spcPts val="0"/>
-                </a:spcBef>
-                <a:spcAft>
-                  <a:spcPts val="0"/>
-                </a:spcAft>
-                <a:buClrTx/>
-                <a:buSzTx/>
-                <a:buFontTx/>
-                <a:buNone/>
-                <a:tabLst/>
-                <a:defRPr/>
-              </a:pPr>
-              <a:endParaRPr kumimoji="0" lang="ja-JP" altLang="en-US" sz="2400" b="0" i="0" u="none" strike="noStrike" kern="0" cap="none" spc="0" normalizeH="0" baseline="0" noProof="0" smtClean="0">
-                <a:ln>
-                  <a:noFill/>
-                </a:ln>
-                <a:solidFill>
-                  <a:prstClr val="white"/>
-                </a:solidFill>
-                <a:effectLst/>
-                <a:uLnTx/>
-                <a:uFillTx/>
-                <a:latin typeface="Calibri"/>
-                <a:ea typeface="ＭＳ Ｐゴシック"/>
-                <a:cs typeface="+mn-cs"/>
-              </a:endParaRPr>
-            </a:p>
-          </p:txBody>
-        </p:sp>
-        <p:sp>
-          <p:nvSpPr>
-            <p:cNvPr id="24" name="フローチャート : 準備 987"/>
-            <p:cNvSpPr/>
-            <p:nvPr/>
-          </p:nvSpPr>
-          <p:spPr>
-            <a:xfrm>
-              <a:off x="6639635" y="2477789"/>
-              <a:ext cx="864096" cy="609457"/>
-            </a:xfrm>
-            <a:prstGeom prst="flowChartPreparation">
-              <a:avLst/>
-            </a:prstGeom>
-            <a:solidFill>
-              <a:sysClr val="window" lastClr="FFFFFF"/>
-            </a:solidFill>
-            <a:ln w="25400" cap="flat" cmpd="sng" algn="ctr">
-              <a:solidFill>
-                <a:sysClr val="window" lastClr="FFFFFF">
-                  <a:lumMod val="75000"/>
-                </a:sysClr>
-              </a:solidFill>
-              <a:prstDash val="solid"/>
-            </a:ln>
-            <a:effectLst/>
-          </p:spPr>
-          <p:txBody>
-            <a:bodyPr rtlCol="0" anchor="ctr"/>
-            <a:lstStyle/>
-            <a:p>
-              <a:pPr marL="0" marR="0" lvl="0" indent="0" algn="ctr" defTabSz="914400" eaLnBrk="1" fontAlgn="auto" latinLnBrk="0" hangingPunct="1">
-                <a:lnSpc>
-                  <a:spcPct val="100000"/>
-                </a:lnSpc>
-                <a:spcBef>
-                  <a:spcPts val="0"/>
-                </a:spcBef>
-                <a:spcAft>
-                  <a:spcPts val="0"/>
-                </a:spcAft>
-                <a:buClrTx/>
-                <a:buSzTx/>
-                <a:buFontTx/>
-                <a:buNone/>
-                <a:tabLst/>
-                <a:defRPr/>
-              </a:pPr>
-              <a:endParaRPr kumimoji="0" lang="ja-JP" altLang="en-US" sz="2400" b="0" i="0" u="none" strike="noStrike" kern="0" cap="none" spc="0" normalizeH="0" baseline="0" noProof="0" smtClean="0">
-                <a:ln>
-                  <a:noFill/>
-                </a:ln>
-                <a:solidFill>
-                  <a:prstClr val="white"/>
-                </a:solidFill>
-                <a:effectLst/>
-                <a:uLnTx/>
-                <a:uFillTx/>
-                <a:latin typeface="Calibri"/>
-                <a:ea typeface="ＭＳ Ｐゴシック"/>
-                <a:cs typeface="+mn-cs"/>
-              </a:endParaRPr>
-            </a:p>
-          </p:txBody>
-        </p:sp>
-        <p:sp>
-          <p:nvSpPr>
-            <p:cNvPr id="25" name="フローチャート : 準備 988"/>
-            <p:cNvSpPr/>
-            <p:nvPr/>
-          </p:nvSpPr>
-          <p:spPr>
-            <a:xfrm>
-              <a:off x="7020272" y="2418263"/>
-              <a:ext cx="864096" cy="609457"/>
-            </a:xfrm>
-            <a:prstGeom prst="flowChartPreparation">
-              <a:avLst/>
-            </a:prstGeom>
-            <a:solidFill>
-              <a:sysClr val="window" lastClr="FFFFFF"/>
-            </a:solidFill>
-            <a:ln w="25400" cap="flat" cmpd="sng" algn="ctr">
-              <a:solidFill>
-                <a:sysClr val="window" lastClr="FFFFFF">
-                  <a:lumMod val="75000"/>
-                </a:sysClr>
-              </a:solidFill>
-              <a:prstDash val="solid"/>
-            </a:ln>
-            <a:effectLst/>
-          </p:spPr>
-          <p:txBody>
-            <a:bodyPr rtlCol="0" anchor="ctr"/>
-            <a:lstStyle/>
-            <a:p>
-              <a:pPr marL="0" marR="0" lvl="0" indent="0" algn="ctr" defTabSz="914400" eaLnBrk="1" fontAlgn="auto" latinLnBrk="0" hangingPunct="1">
-                <a:lnSpc>
-                  <a:spcPct val="100000"/>
-                </a:lnSpc>
-                <a:spcBef>
-                  <a:spcPts val="0"/>
-                </a:spcBef>
-                <a:spcAft>
-                  <a:spcPts val="0"/>
-                </a:spcAft>
-                <a:buClrTx/>
-                <a:buSzTx/>
-                <a:buFontTx/>
-                <a:buNone/>
-                <a:tabLst/>
-                <a:defRPr/>
-              </a:pPr>
-              <a:endParaRPr kumimoji="0" lang="ja-JP" altLang="en-US" sz="2400" b="0" i="0" u="none" strike="noStrike" kern="0" cap="none" spc="0" normalizeH="0" baseline="0" noProof="0" smtClean="0">
-                <a:ln>
-                  <a:noFill/>
-                </a:ln>
-                <a:solidFill>
-                  <a:prstClr val="white"/>
-                </a:solidFill>
-                <a:effectLst/>
-                <a:uLnTx/>
-                <a:uFillTx/>
-                <a:latin typeface="Calibri"/>
-                <a:ea typeface="ＭＳ Ｐゴシック"/>
-                <a:cs typeface="+mn-cs"/>
-              </a:endParaRPr>
-            </a:p>
-          </p:txBody>
-        </p:sp>
-      </p:grpSp>
-      <p:sp>
-        <p:nvSpPr>
           <p:cNvPr id="12" name="角丸四角形 11"/>
           <p:cNvSpPr/>
           <p:nvPr/>
         </p:nvSpPr>
         <p:spPr>
           <a:xfrm>
-            <a:off x="3307942" y="2474881"/>
+            <a:off x="2721283" y="2160854"/>
             <a:ext cx="1411150" cy="713032"/>
           </a:xfrm>
           <a:prstGeom prst="roundRect">
@@ -4143,7 +3478,7 @@
         </p:nvSpPr>
         <p:spPr>
           <a:xfrm>
-            <a:off x="3407943" y="2524018"/>
+            <a:off x="2821284" y="2209991"/>
             <a:ext cx="1411150" cy="713032"/>
           </a:xfrm>
           <a:prstGeom prst="roundRect">
@@ -4209,7 +3544,7 @@
         </p:nvSpPr>
         <p:spPr>
           <a:xfrm>
-            <a:off x="4228083" y="2689680"/>
+            <a:off x="3641424" y="2375653"/>
             <a:ext cx="308044" cy="353605"/>
           </a:xfrm>
           <a:prstGeom prst="verticalScroll">
@@ -4275,7 +3610,7 @@
         </p:nvSpPr>
         <p:spPr>
           <a:xfrm>
-            <a:off x="3545453" y="2725523"/>
+            <a:off x="2958794" y="2411496"/>
             <a:ext cx="399929" cy="288786"/>
           </a:xfrm>
           <a:prstGeom prst="flowChartPreparation">
@@ -4344,7 +3679,7 @@
         </p:nvCxnSpPr>
         <p:spPr>
           <a:xfrm flipV="1">
-            <a:off x="3945382" y="2866483"/>
+            <a:off x="3358723" y="2552456"/>
             <a:ext cx="321207" cy="3433"/>
           </a:xfrm>
           <a:prstGeom prst="straightConnector1">
@@ -4365,144 +3700,6 @@
           <a:effectLst/>
         </p:spPr>
       </p:cxnSp>
-      <p:cxnSp>
-        <p:nvCxnSpPr>
-          <p:cNvPr id="17" name="直線矢印コネクタ 16"/>
-          <p:cNvCxnSpPr/>
-          <p:nvPr/>
-        </p:nvCxnSpPr>
-        <p:spPr>
-          <a:xfrm>
-            <a:off x="2475507" y="2270254"/>
-            <a:ext cx="513753" cy="253764"/>
-          </a:xfrm>
-          <a:prstGeom prst="straightConnector1">
-            <a:avLst/>
-          </a:prstGeom>
-          <a:noFill/>
-          <a:ln w="9525" cap="flat" cmpd="sng" algn="ctr">
-            <a:solidFill>
-              <a:srgbClr val="4F81BD">
-                <a:shade val="95000"/>
-                <a:satMod val="105000"/>
-              </a:srgbClr>
-            </a:solidFill>
-            <a:prstDash val="solid"/>
-            <a:tailEnd type="arrow"/>
-          </a:ln>
-          <a:effectLst/>
-        </p:spPr>
-      </p:cxnSp>
-      <p:cxnSp>
-        <p:nvCxnSpPr>
-          <p:cNvPr id="18" name="直線矢印コネクタ 17"/>
-          <p:cNvCxnSpPr/>
-          <p:nvPr/>
-        </p:nvCxnSpPr>
-        <p:spPr>
-          <a:xfrm flipV="1">
-            <a:off x="2424507" y="3248696"/>
-            <a:ext cx="468468" cy="281786"/>
-          </a:xfrm>
-          <a:prstGeom prst="straightConnector1">
-            <a:avLst/>
-          </a:prstGeom>
-          <a:noFill/>
-          <a:ln w="9525" cap="flat" cmpd="sng" algn="ctr">
-            <a:solidFill>
-              <a:srgbClr val="4F81BD">
-                <a:shade val="95000"/>
-                <a:satMod val="105000"/>
-              </a:srgbClr>
-            </a:solidFill>
-            <a:prstDash val="solid"/>
-            <a:tailEnd type="arrow"/>
-          </a:ln>
-          <a:effectLst/>
-        </p:spPr>
-      </p:cxnSp>
-      <p:pic>
-        <p:nvPicPr>
-          <p:cNvPr id="19" name="Picture 2" descr="http://upload.wikimedia.org/wikipedia/commons/thumb/d/d7/Buggie.svg/2000px-Buggie.svg.png"/>
-          <p:cNvPicPr>
-            <a:picLocks noChangeAspect="1" noChangeArrowheads="1"/>
-          </p:cNvPicPr>
-          <p:nvPr/>
-        </p:nvPicPr>
-        <p:blipFill>
-          <a:blip r:embed="rId2" cstate="email">
-            <a:extLst>
-              <a:ext uri="{28A0092B-C50C-407E-A947-70E740481C1C}">
-                <a14:useLocalDpi xmlns:a14="http://schemas.microsoft.com/office/drawing/2010/main" val="0"/>
-              </a:ext>
-            </a:extLst>
-          </a:blip>
-          <a:srcRect/>
-          <a:stretch>
-            <a:fillRect/>
-          </a:stretch>
-        </p:blipFill>
-        <p:spPr bwMode="auto">
-          <a:xfrm>
-            <a:off x="654230" y="3422037"/>
-            <a:ext cx="487139" cy="656223"/>
-          </a:xfrm>
-          <a:prstGeom prst="rect">
-            <a:avLst/>
-          </a:prstGeom>
-          <a:noFill/>
-          <a:extLst>
-            <a:ext uri="{909E8E84-426E-40dd-AFC4-6F175D3DCCD1}">
-              <a14:hiddenFill xmlns:a14="http://schemas.microsoft.com/office/drawing/2010/main">
-                <a:solidFill>
-                  <a:srgbClr val="FFFFFF"/>
-                </a:solidFill>
-              </a14:hiddenFill>
-            </a:ext>
-          </a:extLst>
-        </p:spPr>
-      </p:pic>
-      <p:pic>
-        <p:nvPicPr>
-          <p:cNvPr id="20" name="Picture 4" descr="http://www.pupha.net/wp-content/uploads/2014/03/Octocat.png"/>
-          <p:cNvPicPr>
-            <a:picLocks noChangeAspect="1" noChangeArrowheads="1"/>
-          </p:cNvPicPr>
-          <p:nvPr/>
-        </p:nvPicPr>
-        <p:blipFill>
-          <a:blip r:embed="rId3" cstate="email">
-            <a:extLst>
-              <a:ext uri="{28A0092B-C50C-407E-A947-70E740481C1C}">
-                <a14:useLocalDpi xmlns:a14="http://schemas.microsoft.com/office/drawing/2010/main" val="0"/>
-              </a:ext>
-            </a:extLst>
-          </a:blip>
-          <a:srcRect/>
-          <a:stretch>
-            <a:fillRect/>
-          </a:stretch>
-        </p:blipFill>
-        <p:spPr bwMode="auto">
-          <a:xfrm>
-            <a:off x="1675832" y="2580864"/>
-            <a:ext cx="620824" cy="528309"/>
-          </a:xfrm>
-          <a:prstGeom prst="rect">
-            <a:avLst/>
-          </a:prstGeom>
-          <a:noFill/>
-          <a:extLst>
-            <a:ext uri="{909E8E84-426E-40dd-AFC4-6F175D3DCCD1}">
-              <a14:hiddenFill xmlns:a14="http://schemas.microsoft.com/office/drawing/2010/main">
-                <a:solidFill>
-                  <a:srgbClr val="FFFFFF"/>
-                </a:solidFill>
-              </a14:hiddenFill>
-            </a:ext>
-          </a:extLst>
-        </p:spPr>
-      </p:pic>
       <p:sp>
         <p:nvSpPr>
           <p:cNvPr id="26" name="フローチャート : 磁気ディスク 41"/>
@@ -4511,7 +3708,7 @@
         </p:nvSpPr>
         <p:spPr>
           <a:xfrm>
-            <a:off x="5615036" y="1812701"/>
+            <a:off x="5123079" y="1500691"/>
             <a:ext cx="2615145" cy="2060993"/>
           </a:xfrm>
           <a:custGeom>
@@ -4877,7 +4074,7 @@
         </p:nvSpPr>
         <p:spPr>
           <a:xfrm>
-            <a:off x="5781540" y="2438681"/>
+            <a:off x="5289583" y="2126671"/>
             <a:ext cx="1098227" cy="1076732"/>
           </a:xfrm>
           <a:prstGeom prst="roundRect">
@@ -4922,7 +4119,7 @@
         </p:nvSpPr>
         <p:spPr>
           <a:xfrm>
-            <a:off x="6976314" y="2438680"/>
+            <a:off x="6484357" y="2126670"/>
             <a:ext cx="1085685" cy="1040637"/>
           </a:xfrm>
           <a:prstGeom prst="roundRect">
@@ -4959,8 +4156,8 @@
           </a:p>
         </p:txBody>
       </p:sp>
-      <mc:AlternateContent xmlns:mc="http://schemas.openxmlformats.org/markup-compatibility/2006" xmlns:a14="http://schemas.microsoft.com/office/drawing/2010/main">
-        <mc:Choice Requires="a14">
+      <mc:AlternateContent xmlns:mc="http://schemas.openxmlformats.org/markup-compatibility/2006">
+        <mc:Choice xmlns:a14="http://schemas.microsoft.com/office/drawing/2010/main" Requires="a14">
           <p:sp>
             <p:nvSpPr>
               <p:cNvPr id="29" name="テキスト ボックス 28"/>
@@ -4969,7 +4166,7 @@
             </p:nvSpPr>
             <p:spPr>
               <a:xfrm>
-                <a:off x="5797783" y="2601518"/>
+                <a:off x="5305826" y="2289508"/>
                 <a:ext cx="930896" cy="276999"/>
               </a:xfrm>
               <a:prstGeom prst="rect">
@@ -4984,7 +4181,7 @@
               <a:lstStyle/>
               <a:p>
                 <a14:m>
-                  <m:oMathPara xmlns="" xmlns:m="http://schemas.openxmlformats.org/officeDocument/2006/math">
+                  <m:oMathPara xmlns:m="http://schemas.openxmlformats.org/officeDocument/2006/math" xmlns="">
                     <m:oMathParaPr>
                       <m:jc m:val="centerGroup"/>
                     </m:oMathParaPr>
@@ -5040,7 +4237,7 @@
             </p:txBody>
           </p:sp>
         </mc:Choice>
-        <mc:Fallback xmlns="">
+        <mc:Fallback>
           <p:sp>
             <p:nvSpPr>
               <p:cNvPr id="29" name="テキスト ボックス 28"/>
@@ -5051,16 +4248,16 @@
             </p:nvSpPr>
             <p:spPr>
               <a:xfrm>
-                <a:off x="5797783" y="2601518"/>
+                <a:off x="5305826" y="2289508"/>
                 <a:ext cx="930896" cy="276999"/>
               </a:xfrm>
               <a:prstGeom prst="rect">
                 <a:avLst/>
               </a:prstGeom>
               <a:blipFill rotWithShape="1">
-                <a:blip r:embed="rId4"/>
+                <a:blip r:embed="rId2"/>
                 <a:stretch>
-                  <a:fillRect r="-9804" b="-25532"/>
+                  <a:fillRect r="-9091" b="-25532"/>
                 </a:stretch>
               </a:blipFill>
             </p:spPr>
@@ -5079,8 +4276,8 @@
           </p:sp>
         </mc:Fallback>
       </mc:AlternateContent>
-      <mc:AlternateContent xmlns:mc="http://schemas.openxmlformats.org/markup-compatibility/2006" xmlns:a14="http://schemas.microsoft.com/office/drawing/2010/main">
-        <mc:Choice Requires="a14">
+      <mc:AlternateContent xmlns:mc="http://schemas.openxmlformats.org/markup-compatibility/2006">
+        <mc:Choice xmlns:a14="http://schemas.microsoft.com/office/drawing/2010/main" Requires="a14">
           <p:sp>
             <p:nvSpPr>
               <p:cNvPr id="30" name="テキスト ボックス 29"/>
@@ -5089,7 +4286,7 @@
             </p:nvSpPr>
             <p:spPr>
               <a:xfrm>
-                <a:off x="5781540" y="2854180"/>
+                <a:off x="5289583" y="2542170"/>
                 <a:ext cx="949106" cy="461665"/>
               </a:xfrm>
               <a:prstGeom prst="rect">
@@ -5104,7 +4301,7 @@
               <a:lstStyle/>
               <a:p>
                 <a14:m>
-                  <m:oMathPara xmlns="" xmlns:m="http://schemas.openxmlformats.org/officeDocument/2006/math">
+                  <m:oMathPara xmlns:m="http://schemas.openxmlformats.org/officeDocument/2006/math" xmlns="">
                     <m:oMathParaPr>
                       <m:jc m:val="centerGroup"/>
                     </m:oMathParaPr>
@@ -5159,7 +4356,7 @@
               </a:p>
               <a:p>
                 <a14:m>
-                  <m:oMathPara xmlns="" xmlns:m="http://schemas.openxmlformats.org/officeDocument/2006/math">
+                  <m:oMathPara xmlns:m="http://schemas.openxmlformats.org/officeDocument/2006/math" xmlns="">
                     <m:oMathParaPr>
                       <m:jc m:val="centerGroup"/>
                     </m:oMathParaPr>
@@ -5186,7 +4383,7 @@
             </p:txBody>
           </p:sp>
         </mc:Choice>
-        <mc:Fallback xmlns="">
+        <mc:Fallback>
           <p:sp>
             <p:nvSpPr>
               <p:cNvPr id="30" name="テキスト ボックス 29"/>
@@ -5197,14 +4394,14 @@
             </p:nvSpPr>
             <p:spPr>
               <a:xfrm>
-                <a:off x="5781540" y="2854180"/>
+                <a:off x="5289583" y="2542170"/>
                 <a:ext cx="949106" cy="461665"/>
               </a:xfrm>
               <a:prstGeom prst="rect">
                 <a:avLst/>
               </a:prstGeom>
               <a:blipFill rotWithShape="1">
-                <a:blip r:embed="rId5"/>
+                <a:blip r:embed="rId3"/>
                 <a:stretch>
                   <a:fillRect r="-5732" b="-34211"/>
                 </a:stretch>
@@ -5225,8 +4422,8 @@
           </p:sp>
         </mc:Fallback>
       </mc:AlternateContent>
-      <mc:AlternateContent xmlns:mc="http://schemas.openxmlformats.org/markup-compatibility/2006" xmlns:a14="http://schemas.microsoft.com/office/drawing/2010/main">
-        <mc:Choice Requires="a14">
+      <mc:AlternateContent xmlns:mc="http://schemas.openxmlformats.org/markup-compatibility/2006">
+        <mc:Choice xmlns:a14="http://schemas.microsoft.com/office/drawing/2010/main" Requires="a14">
           <p:sp>
             <p:nvSpPr>
               <p:cNvPr id="31" name="テキスト ボックス 30"/>
@@ -5235,7 +4432,7 @@
             </p:nvSpPr>
             <p:spPr>
               <a:xfrm>
-                <a:off x="6973023" y="2589484"/>
+                <a:off x="6481066" y="2277474"/>
                 <a:ext cx="922881" cy="276999"/>
               </a:xfrm>
               <a:prstGeom prst="rect">
@@ -5250,7 +4447,7 @@
               <a:lstStyle/>
               <a:p>
                 <a14:m>
-                  <m:oMathPara xmlns="" xmlns:m="http://schemas.openxmlformats.org/officeDocument/2006/math">
+                  <m:oMathPara xmlns:m="http://schemas.openxmlformats.org/officeDocument/2006/math" xmlns="">
                     <m:oMathParaPr>
                       <m:jc m:val="centerGroup"/>
                     </m:oMathParaPr>
@@ -5306,7 +4503,7 @@
             </p:txBody>
           </p:sp>
         </mc:Choice>
-        <mc:Fallback xmlns="">
+        <mc:Fallback>
           <p:sp>
             <p:nvSpPr>
               <p:cNvPr id="31" name="テキスト ボックス 30"/>
@@ -5317,16 +4514,16 @@
             </p:nvSpPr>
             <p:spPr>
               <a:xfrm>
-                <a:off x="6973023" y="2589484"/>
+                <a:off x="6481066" y="2277474"/>
                 <a:ext cx="922881" cy="276999"/>
               </a:xfrm>
               <a:prstGeom prst="rect">
                 <a:avLst/>
               </a:prstGeom>
               <a:blipFill rotWithShape="1">
-                <a:blip r:embed="rId6"/>
+                <a:blip r:embed="rId4"/>
                 <a:stretch>
-                  <a:fillRect r="-9804" b="-25532"/>
+                  <a:fillRect r="-10526" b="-25532"/>
                 </a:stretch>
               </a:blipFill>
             </p:spPr>
@@ -5345,8 +4542,8 @@
           </p:sp>
         </mc:Fallback>
       </mc:AlternateContent>
-      <mc:AlternateContent xmlns:mc="http://schemas.openxmlformats.org/markup-compatibility/2006" xmlns:a14="http://schemas.microsoft.com/office/drawing/2010/main">
-        <mc:Choice Requires="a14">
+      <mc:AlternateContent xmlns:mc="http://schemas.openxmlformats.org/markup-compatibility/2006">
+        <mc:Choice xmlns:a14="http://schemas.microsoft.com/office/drawing/2010/main" Requires="a14">
           <p:sp>
             <p:nvSpPr>
               <p:cNvPr id="32" name="テキスト ボックス 31"/>
@@ -5355,7 +4552,7 @@
             </p:nvSpPr>
             <p:spPr>
               <a:xfrm>
-                <a:off x="6976314" y="2826374"/>
+                <a:off x="6484357" y="2514364"/>
                 <a:ext cx="929742" cy="461665"/>
               </a:xfrm>
               <a:prstGeom prst="rect">
@@ -5370,7 +4567,7 @@
               <a:lstStyle/>
               <a:p>
                 <a14:m>
-                  <m:oMathPara xmlns="" xmlns:m="http://schemas.openxmlformats.org/officeDocument/2006/math">
+                  <m:oMathPara xmlns:m="http://schemas.openxmlformats.org/officeDocument/2006/math" xmlns="">
                     <m:oMathParaPr>
                       <m:jc m:val="centerGroup"/>
                     </m:oMathParaPr>
@@ -5442,7 +4639,7 @@
             </p:txBody>
           </p:sp>
         </mc:Choice>
-        <mc:Fallback xmlns="">
+        <mc:Fallback>
           <p:sp>
             <p:nvSpPr>
               <p:cNvPr id="32" name="テキスト ボックス 31"/>
@@ -5453,16 +4650,16 @@
             </p:nvSpPr>
             <p:spPr>
               <a:xfrm>
-                <a:off x="6976314" y="2826374"/>
+                <a:off x="6484357" y="2514364"/>
                 <a:ext cx="929742" cy="461665"/>
               </a:xfrm>
               <a:prstGeom prst="rect">
                 <a:avLst/>
               </a:prstGeom>
               <a:blipFill rotWithShape="1">
-                <a:blip r:embed="rId7"/>
+                <a:blip r:embed="rId5"/>
                 <a:stretch>
-                  <a:fillRect r="-9804" b="-32468"/>
+                  <a:fillRect r="-9091" b="-32468"/>
                 </a:stretch>
               </a:blipFill>
             </p:spPr>
@@ -5489,7 +4686,7 @@
         </p:nvSpPr>
         <p:spPr>
           <a:xfrm>
-            <a:off x="5954822" y="1872716"/>
+            <a:off x="5462865" y="1560706"/>
             <a:ext cx="1915408" cy="400110"/>
           </a:xfrm>
           <a:prstGeom prst="rect">
@@ -5519,7 +4716,7 @@
         </p:nvSpPr>
         <p:spPr>
           <a:xfrm>
-            <a:off x="6119708" y="3340995"/>
+            <a:off x="5627751" y="3028985"/>
             <a:ext cx="633507" cy="307777"/>
           </a:xfrm>
           <a:prstGeom prst="rect">
@@ -5560,7 +4757,7 @@
         </p:nvSpPr>
         <p:spPr>
           <a:xfrm>
-            <a:off x="7390020" y="3342543"/>
+            <a:off x="6898063" y="3030533"/>
             <a:ext cx="671979" cy="307777"/>
           </a:xfrm>
           <a:prstGeom prst="rect">
@@ -5606,44 +4803,16 @@
           </a:p>
         </p:txBody>
       </p:sp>
-      <p:cxnSp>
-        <p:nvCxnSpPr>
-          <p:cNvPr id="36" name="直線矢印コネクタ 35"/>
-          <p:cNvCxnSpPr/>
+      <p:sp>
+        <p:nvSpPr>
+          <p:cNvPr id="42" name="テキスト ボックス 41"/>
+          <p:cNvSpPr txBox="1"/>
           <p:nvPr/>
-        </p:nvCxnSpPr>
+        </p:nvSpPr>
         <p:spPr>
           <a:xfrm>
-            <a:off x="4954890" y="2822434"/>
-            <a:ext cx="560684" cy="3940"/>
-          </a:xfrm>
-          <a:prstGeom prst="straightConnector1">
-            <a:avLst/>
-          </a:prstGeom>
-          <a:noFill/>
-          <a:ln w="9525" cap="flat" cmpd="sng" algn="ctr">
-            <a:solidFill>
-              <a:srgbClr val="4F81BD">
-                <a:shade val="95000"/>
-                <a:satMod val="105000"/>
-              </a:srgbClr>
-            </a:solidFill>
-            <a:prstDash val="solid"/>
-            <a:tailEnd type="arrow"/>
-          </a:ln>
-          <a:effectLst/>
-        </p:spPr>
-      </p:cxnSp>
-      <p:sp>
-        <p:nvSpPr>
-          <p:cNvPr id="39" name="テキスト ボックス 38"/>
-          <p:cNvSpPr txBox="1"/>
-          <p:nvPr/>
-        </p:nvSpPr>
-        <p:spPr>
-          <a:xfrm>
-            <a:off x="304270" y="1049340"/>
-            <a:ext cx="2869964" cy="923330"/>
+            <a:off x="2866936" y="705924"/>
+            <a:ext cx="3392763" cy="646331"/>
           </a:xfrm>
           <a:prstGeom prst="rect">
             <a:avLst/>
@@ -5651,174 +4820,30 @@
           <a:noFill/>
         </p:spPr>
         <p:txBody>
-          <a:bodyPr wrap="square" rtlCol="0">
-            <a:spAutoFit/>
-          </a:bodyPr>
-          <a:lstStyle/>
-          <a:p>
-            <a:r>
-              <a:rPr kumimoji="1" lang="en-US" altLang="ja-JP"/>
-              <a:t>1) Obtaining </a:t>
-            </a:r>
-          </a:p>
-          <a:p>
-            <a:r>
-              <a:rPr kumimoji="1" lang="en-US" altLang="ja-JP"/>
-              <a:t>     revision history</a:t>
-            </a:r>
-          </a:p>
-          <a:p>
-            <a:r>
-              <a:rPr lang="en-US" altLang="ja-JP"/>
-              <a:t>     and </a:t>
-            </a:r>
-            <a:r>
-              <a:rPr kumimoji="1" lang="en-US" altLang="ja-JP"/>
-              <a:t>interaction history</a:t>
-            </a:r>
-            <a:endParaRPr kumimoji="1" lang="ja-JP" altLang="en-US"/>
-          </a:p>
-        </p:txBody>
-      </p:sp>
-      <p:sp>
-        <p:nvSpPr>
-          <p:cNvPr id="41" name="テキスト ボックス 40"/>
-          <p:cNvSpPr txBox="1"/>
-          <p:nvPr/>
-        </p:nvSpPr>
-        <p:spPr>
-          <a:xfrm>
-            <a:off x="3174234" y="1489535"/>
-            <a:ext cx="1780656" cy="646331"/>
-          </a:xfrm>
-          <a:prstGeom prst="rect">
-            <a:avLst/>
-          </a:prstGeom>
-          <a:noFill/>
-        </p:spPr>
-        <p:txBody>
           <a:bodyPr wrap="none" rtlCol="0">
             <a:spAutoFit/>
           </a:bodyPr>
           <a:lstStyle/>
           <a:p>
+            <a:pPr marL="342900" indent="-342900">
+              <a:buAutoNum type="arabicParenR"/>
+            </a:pPr>
+            <a:r>
+              <a:rPr kumimoji="1" lang="en-US" altLang="ja-JP"/>
+              <a:t>Extracting 2 assoc. rules</a:t>
+            </a:r>
             <a:r>
               <a:rPr lang="en-US" altLang="ja-JP"/>
-              <a:t>2</a:t>
-            </a:r>
-            <a:r>
-              <a:rPr kumimoji="1" lang="en-US" altLang="ja-JP"/>
-              <a:t>) Concatenating</a:t>
-            </a:r>
-          </a:p>
-          <a:p>
-            <a:r>
-              <a:rPr kumimoji="1" lang="en-US" altLang="ja-JP"/>
-              <a:t>     two histories</a:t>
-            </a:r>
-            <a:endParaRPr kumimoji="1" lang="ja-JP" altLang="en-US"/>
-          </a:p>
-        </p:txBody>
-      </p:sp>
-      <p:sp>
-        <p:nvSpPr>
-          <p:cNvPr id="42" name="テキスト ボックス 41"/>
-          <p:cNvSpPr txBox="1"/>
-          <p:nvPr/>
-        </p:nvSpPr>
-        <p:spPr>
-          <a:xfrm>
-            <a:off x="5657619" y="1304869"/>
-            <a:ext cx="2494004" cy="369332"/>
-          </a:xfrm>
-          <a:prstGeom prst="rect">
-            <a:avLst/>
-          </a:prstGeom>
-          <a:noFill/>
-        </p:spPr>
-        <p:txBody>
-          <a:bodyPr wrap="none" rtlCol="0">
-            <a:spAutoFit/>
-          </a:bodyPr>
-          <a:lstStyle/>
-          <a:p>
-            <a:r>
+              <a:t/>
+            </a:r>
+            <a:br>
               <a:rPr lang="en-US" altLang="ja-JP"/>
-              <a:t>3</a:t>
-            </a:r>
-            <a:r>
-              <a:rPr kumimoji="1" lang="en-US" altLang="ja-JP"/>
-              <a:t>) Extracting assoc. rules</a:t>
-            </a:r>
-          </a:p>
-        </p:txBody>
-      </p:sp>
-      <p:cxnSp>
-        <p:nvCxnSpPr>
-          <p:cNvPr id="43" name="直線矢印コネクタ 42"/>
-          <p:cNvCxnSpPr/>
-          <p:nvPr/>
-        </p:nvCxnSpPr>
-        <p:spPr>
-          <a:xfrm flipH="1">
-            <a:off x="4536128" y="3734376"/>
-            <a:ext cx="1078908" cy="553642"/>
-          </a:xfrm>
-          <a:prstGeom prst="straightConnector1">
-            <a:avLst/>
-          </a:prstGeom>
-          <a:noFill/>
-          <a:ln w="9525" cap="flat" cmpd="sng" algn="ctr">
-            <a:solidFill>
-              <a:srgbClr val="4F81BD">
-                <a:shade val="95000"/>
-                <a:satMod val="105000"/>
-              </a:srgbClr>
-            </a:solidFill>
-            <a:prstDash val="solid"/>
-            <a:tailEnd type="arrow"/>
-          </a:ln>
-          <a:effectLst/>
-        </p:spPr>
-      </p:cxnSp>
-      <p:sp>
-        <p:nvSpPr>
-          <p:cNvPr id="44" name="テキスト ボックス 43"/>
-          <p:cNvSpPr txBox="1"/>
-          <p:nvPr/>
-        </p:nvSpPr>
-        <p:spPr>
-          <a:xfrm>
-            <a:off x="6323024" y="4603431"/>
-            <a:ext cx="1451427" cy="646331"/>
-          </a:xfrm>
-          <a:prstGeom prst="rect">
-            <a:avLst/>
-          </a:prstGeom>
-          <a:noFill/>
-        </p:spPr>
-        <p:txBody>
-          <a:bodyPr wrap="none" rtlCol="0">
-            <a:spAutoFit/>
-          </a:bodyPr>
-          <a:lstStyle/>
-          <a:p>
+            </a:br>
             <a:r>
               <a:rPr lang="en-US" altLang="ja-JP"/>
-              <a:t>5</a:t>
-            </a:r>
-            <a:r>
-              <a:rPr kumimoji="1" lang="en-US" altLang="ja-JP"/>
-              <a:t>) Calculating</a:t>
-            </a:r>
-            <a:br>
-              <a:rPr kumimoji="1" lang="en-US" altLang="ja-JP"/>
-            </a:br>
-            <a:r>
-              <a:rPr kumimoji="1" lang="en-US" altLang="ja-JP"/>
-              <a:t>     metrics</a:t>
-            </a:r>
-            <a:endParaRPr kumimoji="1" lang="ja-JP" altLang="en-US"/>
+              <a:t>from the concatenated history</a:t>
+            </a:r>
+            <a:endParaRPr kumimoji="1" lang="en-US" altLang="ja-JP"/>
           </a:p>
         </p:txBody>
       </p:sp>
@@ -5830,12 +4855,17 @@
         </p:nvSpPr>
         <p:spPr>
           <a:xfrm>
-            <a:off x="6677132" y="5306501"/>
+            <a:off x="3812914" y="5998189"/>
             <a:ext cx="1081143" cy="741994"/>
           </a:xfrm>
           <a:prstGeom prst="rect">
             <a:avLst/>
           </a:prstGeom>
+          <a:ln>
+            <a:solidFill>
+              <a:srgbClr val="FF0000"/>
+            </a:solidFill>
+          </a:ln>
         </p:spPr>
         <p:style>
           <a:lnRef idx="2">
@@ -5873,243 +4903,96 @@
       </p:sp>
       <p:sp>
         <p:nvSpPr>
-          <p:cNvPr id="47" name="角丸四角形 46"/>
+          <p:cNvPr id="62" name="テキスト ボックス 61"/>
+          <p:cNvSpPr txBox="1"/>
+          <p:nvPr/>
+        </p:nvSpPr>
+        <p:spPr>
+          <a:xfrm>
+            <a:off x="2866936" y="3688119"/>
+            <a:ext cx="3597109" cy="646331"/>
+          </a:xfrm>
+          <a:prstGeom prst="rect">
+            <a:avLst/>
+          </a:prstGeom>
+          <a:noFill/>
+        </p:spPr>
+        <p:txBody>
+          <a:bodyPr wrap="none" rtlCol="0">
+            <a:spAutoFit/>
+          </a:bodyPr>
+          <a:lstStyle/>
+          <a:p>
+            <a:r>
+              <a:rPr lang="en-US" altLang="ja-JP"/>
+              <a:t>2</a:t>
+            </a:r>
+            <a:r>
+              <a:rPr kumimoji="1" lang="en-US" altLang="ja-JP"/>
+              <a:t>) Perform change recommendation</a:t>
+            </a:r>
+          </a:p>
+          <a:p>
+            <a:r>
+              <a:rPr lang="en-US" altLang="ja-JP"/>
+              <a:t>     and calculate metrics</a:t>
+            </a:r>
+            <a:endParaRPr kumimoji="1" lang="ja-JP" altLang="en-US"/>
+          </a:p>
+        </p:txBody>
+      </p:sp>
+      <p:sp>
+        <p:nvSpPr>
+          <p:cNvPr id="64" name="角丸四角形 63"/>
           <p:cNvSpPr/>
           <p:nvPr/>
         </p:nvSpPr>
         <p:spPr>
           <a:xfrm>
-            <a:off x="746847" y="5000938"/>
-            <a:ext cx="1059462" cy="1047557"/>
+            <a:off x="2400083" y="4550723"/>
+            <a:ext cx="1718424" cy="1313741"/>
           </a:xfrm>
           <a:prstGeom prst="roundRect">
             <a:avLst/>
           </a:prstGeom>
-          <a:solidFill>
-            <a:sysClr val="window" lastClr="FFFFFF"/>
-          </a:solidFill>
-          <a:ln w="25400" cap="flat" cmpd="sng" algn="ctr">
+          <a:ln>
             <a:solidFill>
-              <a:srgbClr val="4F81BD">
-                <a:lumMod val="60000"/>
-                <a:lumOff val="40000"/>
-              </a:srgbClr>
+              <a:srgbClr val="FF0000"/>
             </a:solidFill>
-            <a:prstDash val="solid"/>
           </a:ln>
-          <a:effectLst/>
         </p:spPr>
+        <p:style>
+          <a:lnRef idx="2">
+            <a:schemeClr val="accent1"/>
+          </a:lnRef>
+          <a:fillRef idx="1">
+            <a:schemeClr val="lt1"/>
+          </a:fillRef>
+          <a:effectRef idx="0">
+            <a:schemeClr val="accent1"/>
+          </a:effectRef>
+          <a:fontRef idx="minor">
+            <a:schemeClr val="dk1"/>
+          </a:fontRef>
+        </p:style>
         <p:txBody>
           <a:bodyPr rtlCol="0" anchor="ctr"/>
           <a:lstStyle/>
           <a:p>
-            <a:pPr marL="0" marR="0" lvl="0" indent="0" algn="ctr" defTabSz="914400" eaLnBrk="1" fontAlgn="auto" latinLnBrk="0" hangingPunct="1">
-              <a:lnSpc>
-                <a:spcPct val="100000"/>
-              </a:lnSpc>
-              <a:spcBef>
-                <a:spcPts val="0"/>
-              </a:spcBef>
-              <a:spcAft>
-                <a:spcPts val="0"/>
-              </a:spcAft>
-              <a:buClrTx/>
-              <a:buSzTx/>
-              <a:buFontTx/>
-              <a:buNone/>
-              <a:tabLst/>
-              <a:defRPr/>
-            </a:pPr>
-            <a:endParaRPr kumimoji="0" lang="ja-JP" altLang="en-US" sz="2400" b="0" i="0" u="none" strike="noStrike" kern="0" cap="none" spc="0" normalizeH="0" baseline="0" noProof="0" smtClean="0">
-              <a:ln>
-                <a:noFill/>
-              </a:ln>
-              <a:solidFill>
-                <a:prstClr val="white"/>
-              </a:solidFill>
-              <a:effectLst/>
-              <a:uLnTx/>
-              <a:uFillTx/>
-              <a:latin typeface="Calibri"/>
-              <a:ea typeface="ＭＳ Ｐゴシック"/>
-              <a:cs typeface="+mn-cs"/>
-            </a:endParaRPr>
-          </a:p>
-        </p:txBody>
-      </p:sp>
-      <p:sp>
-        <p:nvSpPr>
-          <p:cNvPr id="48" name="縦巻き 47"/>
+            <a:pPr algn="ctr"/>
+            <a:endParaRPr kumimoji="1" lang="ja-JP" altLang="en-US"/>
+          </a:p>
+        </p:txBody>
+      </p:sp>
+      <p:sp>
+        <p:nvSpPr>
+          <p:cNvPr id="65" name="メモ 64"/>
           <p:cNvSpPr/>
           <p:nvPr/>
         </p:nvSpPr>
         <p:spPr>
           <a:xfrm>
-            <a:off x="1184776" y="5085324"/>
-            <a:ext cx="123765" cy="180236"/>
-          </a:xfrm>
-          <a:prstGeom prst="verticalScroll">
-            <a:avLst/>
-          </a:prstGeom>
-          <a:solidFill>
-            <a:sysClr val="window" lastClr="FFFFFF"/>
-          </a:solidFill>
-          <a:ln w="25400" cap="flat" cmpd="sng" algn="ctr">
-            <a:solidFill>
-              <a:srgbClr val="4F81BD">
-                <a:lumMod val="60000"/>
-                <a:lumOff val="40000"/>
-              </a:srgbClr>
-            </a:solidFill>
-            <a:prstDash val="solid"/>
-          </a:ln>
-          <a:effectLst/>
-        </p:spPr>
-        <p:txBody>
-          <a:bodyPr rtlCol="0" anchor="ctr"/>
-          <a:lstStyle/>
-          <a:p>
-            <a:pPr marL="0" marR="0" lvl="0" indent="0" algn="ctr" defTabSz="914400" eaLnBrk="1" fontAlgn="auto" latinLnBrk="0" hangingPunct="1">
-              <a:lnSpc>
-                <a:spcPct val="100000"/>
-              </a:lnSpc>
-              <a:spcBef>
-                <a:spcPts val="0"/>
-              </a:spcBef>
-              <a:spcAft>
-                <a:spcPts val="0"/>
-              </a:spcAft>
-              <a:buClrTx/>
-              <a:buSzTx/>
-              <a:buFontTx/>
-              <a:buNone/>
-              <a:tabLst/>
-              <a:defRPr/>
-            </a:pPr>
-            <a:endParaRPr kumimoji="0" lang="ja-JP" altLang="en-US" sz="2400" b="0" i="0" u="none" strike="noStrike" kern="0" cap="none" spc="0" normalizeH="0" baseline="0" noProof="0" smtClean="0">
-              <a:ln>
-                <a:noFill/>
-              </a:ln>
-              <a:solidFill>
-                <a:prstClr val="white"/>
-              </a:solidFill>
-              <a:effectLst/>
-              <a:uLnTx/>
-              <a:uFillTx/>
-              <a:latin typeface="Calibri"/>
-              <a:ea typeface="ＭＳ Ｐゴシック"/>
-              <a:cs typeface="+mn-cs"/>
-            </a:endParaRPr>
-          </a:p>
-        </p:txBody>
-      </p:sp>
-      <p:sp>
-        <p:nvSpPr>
-          <p:cNvPr id="49" name="フローチャート : 準備 996"/>
-          <p:cNvSpPr/>
-          <p:nvPr/>
-        </p:nvSpPr>
-        <p:spPr>
-          <a:xfrm>
-            <a:off x="846639" y="5101843"/>
-            <a:ext cx="160682" cy="147197"/>
-          </a:xfrm>
-          <a:prstGeom prst="flowChartPreparation">
-            <a:avLst/>
-          </a:prstGeom>
-          <a:solidFill>
-            <a:sysClr val="window" lastClr="FFFFFF"/>
-          </a:solidFill>
-          <a:ln w="25400" cap="flat" cmpd="sng" algn="ctr">
-            <a:solidFill>
-              <a:srgbClr val="4F81BD">
-                <a:lumMod val="60000"/>
-                <a:lumOff val="40000"/>
-              </a:srgbClr>
-            </a:solidFill>
-            <a:prstDash val="solid"/>
-          </a:ln>
-          <a:effectLst/>
-        </p:spPr>
-        <p:txBody>
-          <a:bodyPr rtlCol="0" anchor="ctr"/>
-          <a:lstStyle/>
-          <a:p>
-            <a:pPr marL="0" marR="0" lvl="0" indent="0" algn="ctr" defTabSz="914400" eaLnBrk="1" fontAlgn="auto" latinLnBrk="0" hangingPunct="1">
-              <a:lnSpc>
-                <a:spcPct val="100000"/>
-              </a:lnSpc>
-              <a:spcBef>
-                <a:spcPts val="0"/>
-              </a:spcBef>
-              <a:spcAft>
-                <a:spcPts val="0"/>
-              </a:spcAft>
-              <a:buClrTx/>
-              <a:buSzTx/>
-              <a:buFontTx/>
-              <a:buNone/>
-              <a:tabLst/>
-              <a:defRPr/>
-            </a:pPr>
-            <a:endParaRPr kumimoji="0" lang="ja-JP" altLang="en-US" sz="2400" b="0" i="0" u="none" strike="noStrike" kern="0" cap="none" spc="0" normalizeH="0" baseline="0" noProof="0" smtClean="0">
-              <a:ln>
-                <a:noFill/>
-              </a:ln>
-              <a:solidFill>
-                <a:prstClr val="white"/>
-              </a:solidFill>
-              <a:effectLst/>
-              <a:uLnTx/>
-              <a:uFillTx/>
-              <a:latin typeface="Calibri"/>
-              <a:ea typeface="ＭＳ Ｐゴシック"/>
-              <a:cs typeface="+mn-cs"/>
-            </a:endParaRPr>
-          </a:p>
-        </p:txBody>
-      </p:sp>
-      <p:cxnSp>
-        <p:nvCxnSpPr>
-          <p:cNvPr id="50" name="直線矢印コネクタ 49"/>
-          <p:cNvCxnSpPr>
-            <a:stCxn id="49" idx="3"/>
-            <a:endCxn id="48" idx="1"/>
-          </p:cNvCxnSpPr>
-          <p:nvPr/>
-        </p:nvCxnSpPr>
-        <p:spPr>
-          <a:xfrm>
-            <a:off x="1007321" y="5175442"/>
-            <a:ext cx="192926" cy="0"/>
-          </a:xfrm>
-          <a:prstGeom prst="straightConnector1">
-            <a:avLst/>
-          </a:prstGeom>
-          <a:noFill/>
-          <a:ln w="57150" cap="flat" cmpd="sng" algn="ctr">
-            <a:solidFill>
-              <a:srgbClr val="4F81BD">
-                <a:lumMod val="60000"/>
-                <a:lumOff val="40000"/>
-              </a:srgbClr>
-            </a:solidFill>
-            <a:prstDash val="solid"/>
-            <a:headEnd type="none" w="med" len="med"/>
-            <a:tailEnd type="none" w="med" len="med"/>
-          </a:ln>
-          <a:effectLst/>
-        </p:spPr>
-      </p:cxnSp>
-      <p:sp>
-        <p:nvSpPr>
-          <p:cNvPr id="38" name="メモ 37"/>
-          <p:cNvSpPr/>
-          <p:nvPr/>
-        </p:nvSpPr>
-        <p:spPr>
-          <a:xfrm>
-            <a:off x="865156" y="5370017"/>
+            <a:off x="3438920" y="5111263"/>
             <a:ext cx="373994" cy="369332"/>
           </a:xfrm>
           <a:prstGeom prst="foldedCorner">
@@ -6143,12 +5026,12 @@
           <a:p>
             <a:pPr algn="ctr"/>
             <a:r>
-              <a:rPr kumimoji="1" lang="en-US" altLang="ja-JP" b="1" i="1">
+              <a:rPr lang="en-US" altLang="ja-JP" b="1" i="1">
                 <a:solidFill>
                   <a:srgbClr val="000000"/>
                 </a:solidFill>
               </a:rPr>
-              <a:t>A</a:t>
+              <a:t>X</a:t>
             </a:r>
             <a:endParaRPr kumimoji="1" lang="ja-JP" altLang="en-US" b="1" i="1">
               <a:solidFill>
@@ -6160,13 +5043,73 @@
       </p:sp>
       <p:sp>
         <p:nvSpPr>
-          <p:cNvPr id="52" name="メモ 51"/>
+          <p:cNvPr id="66" name="テキスト ボックス 65"/>
+          <p:cNvSpPr txBox="1"/>
+          <p:nvPr/>
+        </p:nvSpPr>
+        <p:spPr>
+          <a:xfrm>
+            <a:off x="2695314" y="4651628"/>
+            <a:ext cx="630664" cy="369332"/>
+          </a:xfrm>
+          <a:prstGeom prst="rect">
+            <a:avLst/>
+          </a:prstGeom>
+          <a:noFill/>
+        </p:spPr>
+        <p:txBody>
+          <a:bodyPr wrap="none" rtlCol="0">
+            <a:spAutoFit/>
+          </a:bodyPr>
+          <a:lstStyle/>
+          <a:p>
+            <a:r>
+              <a:rPr lang="en-US" altLang="ja-JP"/>
+              <a:t>No.1</a:t>
+            </a:r>
+            <a:endParaRPr kumimoji="1" lang="ja-JP" altLang="en-US"/>
+          </a:p>
+        </p:txBody>
+      </p:sp>
+      <p:sp>
+        <p:nvSpPr>
+          <p:cNvPr id="67" name="テキスト ボックス 66"/>
+          <p:cNvSpPr txBox="1"/>
+          <p:nvPr/>
+        </p:nvSpPr>
+        <p:spPr>
+          <a:xfrm>
+            <a:off x="2695314" y="5095136"/>
+            <a:ext cx="630664" cy="369332"/>
+          </a:xfrm>
+          <a:prstGeom prst="rect">
+            <a:avLst/>
+          </a:prstGeom>
+          <a:noFill/>
+        </p:spPr>
+        <p:txBody>
+          <a:bodyPr wrap="none" rtlCol="0">
+            <a:spAutoFit/>
+          </a:bodyPr>
+          <a:lstStyle/>
+          <a:p>
+            <a:r>
+              <a:rPr lang="en-US" altLang="ja-JP"/>
+              <a:t>No.2</a:t>
+            </a:r>
+            <a:endParaRPr kumimoji="1" lang="ja-JP" altLang="en-US"/>
+          </a:p>
+        </p:txBody>
+      </p:sp>
+      <p:sp>
+        <p:nvSpPr>
+          <p:cNvPr id="68" name="メモ 67"/>
           <p:cNvSpPr/>
           <p:nvPr/>
         </p:nvSpPr>
         <p:spPr>
           <a:xfrm>
-            <a:off x="1293176" y="5554683"/>
+            <a:off x="3438920" y="4676918"/>
             <a:ext cx="373994" cy="369332"/>
           </a:xfrm>
           <a:prstGeom prst="foldedCorner">
@@ -6205,7 +5148,7 @@
                   <a:srgbClr val="000000"/>
                 </a:solidFill>
               </a:rPr>
-              <a:t>B</a:t>
+              <a:t>Y</a:t>
             </a:r>
             <a:endParaRPr kumimoji="1" lang="ja-JP" altLang="en-US" b="1" i="1">
               <a:solidFill>
@@ -6217,88 +5160,131 @@
       </p:sp>
       <p:sp>
         <p:nvSpPr>
-          <p:cNvPr id="40" name="加算記号 39"/>
-          <p:cNvSpPr/>
+          <p:cNvPr id="4" name="テキスト ボックス 3"/>
+          <p:cNvSpPr txBox="1"/>
           <p:nvPr/>
         </p:nvSpPr>
+        <p:spPr>
+          <a:xfrm rot="5400000">
+            <a:off x="2805699" y="5507778"/>
+            <a:ext cx="344039" cy="369332"/>
+          </a:xfrm>
+          <a:prstGeom prst="rect">
+            <a:avLst/>
+          </a:prstGeom>
+          <a:noFill/>
+        </p:spPr>
+        <p:txBody>
+          <a:bodyPr wrap="none" rtlCol="0">
+            <a:spAutoFit/>
+          </a:bodyPr>
+          <a:lstStyle/>
+          <a:p>
+            <a:r>
+              <a:rPr kumimoji="1" lang="en-US" altLang="ja-JP"/>
+              <a:t>…</a:t>
+            </a:r>
+            <a:endParaRPr kumimoji="1" lang="ja-JP" altLang="en-US"/>
+          </a:p>
+        </p:txBody>
+      </p:sp>
+      <p:cxnSp>
+        <p:nvCxnSpPr>
+          <p:cNvPr id="79" name="直線矢印コネクタ 78"/>
+          <p:cNvCxnSpPr/>
+          <p:nvPr/>
+        </p:nvCxnSpPr>
         <p:spPr>
           <a:xfrm>
-            <a:off x="1985160" y="5370017"/>
-            <a:ext cx="360000" cy="360000"/>
+            <a:off x="4300094" y="2542170"/>
+            <a:ext cx="702178" cy="0"/>
           </a:xfrm>
-          <a:prstGeom prst="mathPlus">
+          <a:prstGeom prst="straightConnector1">
             <a:avLst/>
           </a:prstGeom>
-          <a:solidFill>
-            <a:schemeClr val="tx2">
-              <a:lumMod val="60000"/>
-              <a:lumOff val="40000"/>
-            </a:schemeClr>
-          </a:solidFill>
+          <a:noFill/>
+          <a:ln w="9525" cap="flat" cmpd="sng" algn="ctr">
+            <a:solidFill>
+              <a:srgbClr val="4F81BD">
+                <a:shade val="95000"/>
+                <a:satMod val="105000"/>
+              </a:srgbClr>
+            </a:solidFill>
+            <a:prstDash val="solid"/>
+            <a:tailEnd type="arrow"/>
+          </a:ln>
+          <a:effectLst/>
+        </p:spPr>
+      </p:cxnSp>
+      <p:cxnSp>
+        <p:nvCxnSpPr>
+          <p:cNvPr id="87" name="曲線コネクタ 86"/>
+          <p:cNvCxnSpPr>
+            <a:stCxn id="64" idx="2"/>
+            <a:endCxn id="3" idx="1"/>
+          </p:cNvCxnSpPr>
+          <p:nvPr/>
+        </p:nvCxnSpPr>
+        <p:spPr>
+          <a:xfrm rot="16200000" flipH="1">
+            <a:off x="3283743" y="5840015"/>
+            <a:ext cx="504722" cy="553619"/>
+          </a:xfrm>
+          <a:prstGeom prst="curvedConnector2">
+            <a:avLst/>
+          </a:prstGeom>
           <a:ln>
             <a:solidFill>
-              <a:schemeClr val="tx2">
-                <a:lumMod val="20000"/>
-                <a:lumOff val="80000"/>
-              </a:schemeClr>
+              <a:srgbClr val="FF0000"/>
             </a:solidFill>
+            <a:tailEnd type="arrow"/>
           </a:ln>
           <a:effectLst/>
         </p:spPr>
         <p:style>
-          <a:lnRef idx="1">
+          <a:lnRef idx="2">
             <a:schemeClr val="accent1"/>
           </a:lnRef>
-          <a:fillRef idx="3">
+          <a:fillRef idx="0">
             <a:schemeClr val="accent1"/>
           </a:fillRef>
-          <a:effectRef idx="2">
+          <a:effectRef idx="1">
             <a:schemeClr val="accent1"/>
           </a:effectRef>
           <a:fontRef idx="minor">
-            <a:schemeClr val="lt1"/>
+            <a:schemeClr val="tx1"/>
           </a:fontRef>
         </p:style>
-        <p:txBody>
-          <a:bodyPr rtlCol="0" anchor="ctr"/>
-          <a:lstStyle/>
-          <a:p>
-            <a:pPr algn="ctr"/>
-            <a:endParaRPr kumimoji="1" lang="ja-JP" altLang="en-US"/>
-          </a:p>
-        </p:txBody>
-      </p:sp>
-      <p:sp>
-        <p:nvSpPr>
-          <p:cNvPr id="55" name="角丸四角形 54"/>
+      </p:cxnSp>
+      <p:sp>
+        <p:nvSpPr>
+          <p:cNvPr id="88" name="正方形/長方形 87"/>
           <p:cNvSpPr/>
           <p:nvPr/>
         </p:nvSpPr>
         <p:spPr>
           <a:xfrm>
-            <a:off x="2402628" y="5027659"/>
-            <a:ext cx="1098227" cy="1076732"/>
+            <a:off x="6592789" y="5985607"/>
+            <a:ext cx="1081143" cy="741994"/>
           </a:xfrm>
-          <a:prstGeom prst="roundRect">
+          <a:prstGeom prst="rect">
             <a:avLst/>
           </a:prstGeom>
-          <a:noFill/>
           <a:ln>
             <a:solidFill>
-              <a:srgbClr val="FF0000"/>
+              <a:srgbClr val="0000FF"/>
             </a:solidFill>
-            <a:prstDash val="dash"/>
           </a:ln>
         </p:spPr>
         <p:style>
           <a:lnRef idx="2">
-            <a:schemeClr val="dk1"/>
+            <a:schemeClr val="accent1"/>
           </a:lnRef>
           <a:fillRef idx="1">
             <a:schemeClr val="lt1"/>
           </a:fillRef>
           <a:effectRef idx="0">
-            <a:schemeClr val="dk1"/>
+            <a:schemeClr val="accent1"/>
           </a:effectRef>
           <a:fontRef idx="minor">
             <a:schemeClr val="dk1"/>
@@ -6309,353 +5295,53 @@
           <a:lstStyle/>
           <a:p>
             <a:pPr algn="ctr"/>
+            <a:r>
+              <a:rPr kumimoji="1" lang="en-US" altLang="ja-JP"/>
+              <a:t>MRR</a:t>
+            </a:r>
+          </a:p>
+          <a:p>
+            <a:pPr algn="ctr"/>
+            <a:r>
+              <a:rPr lang="en-US" altLang="ja-JP"/>
+              <a:t>Recall</a:t>
+            </a:r>
             <a:endParaRPr kumimoji="1" lang="ja-JP" altLang="en-US"/>
           </a:p>
         </p:txBody>
       </p:sp>
-      <mc:AlternateContent xmlns:mc="http://schemas.openxmlformats.org/markup-compatibility/2006">
-        <mc:Choice xmlns:a14="http://schemas.microsoft.com/office/drawing/2010/main" Requires="a14">
-          <p:sp>
-            <p:nvSpPr>
-              <p:cNvPr id="56" name="テキスト ボックス 55"/>
-              <p:cNvSpPr txBox="1"/>
-              <p:nvPr/>
-            </p:nvSpPr>
-            <p:spPr>
-              <a:xfrm>
-                <a:off x="2418871" y="5190496"/>
-                <a:ext cx="930896" cy="276999"/>
-              </a:xfrm>
-              <a:prstGeom prst="rect">
-                <a:avLst/>
-              </a:prstGeom>
-              <a:noFill/>
-            </p:spPr>
-            <p:txBody>
-              <a:bodyPr wrap="none" rtlCol="0">
-                <a:spAutoFit/>
-              </a:bodyPr>
-              <a:lstStyle/>
-              <a:p>
-                <a14:m>
-                  <m:oMathPara xmlns="" xmlns:m="http://schemas.openxmlformats.org/officeDocument/2006/math">
-                    <m:oMathParaPr>
-                      <m:jc m:val="centerGroup"/>
-                    </m:oMathParaPr>
-                    <m:oMath xmlns:m="http://schemas.openxmlformats.org/officeDocument/2006/math">
-                      <m:d>
-                        <m:dPr>
-                          <m:begChr m:val="{"/>
-                          <m:endChr m:val="}"/>
-                          <m:ctrlPr>
-                            <a:rPr kumimoji="1" lang="en-US" altLang="ja-JP" sz="1200" b="0" i="1" smtClean="0">
-                              <a:latin typeface="Cambria Math" panose="02040503050406030204" pitchFamily="18" charset="0"/>
-                            </a:rPr>
-                          </m:ctrlPr>
-                        </m:dPr>
-                        <m:e>
-                          <m:r>
-                            <a:rPr kumimoji="1" lang="en-US" altLang="ja-JP" sz="1200" b="0" i="1" smtClean="0">
-                              <a:latin typeface="Cambria Math"/>
-                            </a:rPr>
-                            <m:t>𝐴</m:t>
-                          </m:r>
-                          <m:r>
-                            <a:rPr kumimoji="1" lang="en-US" altLang="ja-JP" sz="1200" b="0" i="1" smtClean="0">
-                              <a:latin typeface="Cambria Math"/>
-                            </a:rPr>
-                            <m:t>,</m:t>
-                          </m:r>
-                          <m:r>
-                            <a:rPr kumimoji="1" lang="en-US" altLang="ja-JP" sz="1200" b="0" i="1" smtClean="0">
-                              <a:latin typeface="Cambria Math"/>
-                            </a:rPr>
-                            <m:t>𝐵</m:t>
-                          </m:r>
-                        </m:e>
-                      </m:d>
-                      <m:r>
-                        <a:rPr kumimoji="1" lang="en-US" altLang="ja-JP" sz="1200" b="0" i="1" smtClean="0">
-                          <a:latin typeface="Cambria Math"/>
-                        </a:rPr>
-                        <m:t>⇒</m:t>
-                      </m:r>
-                      <m:r>
-                        <a:rPr kumimoji="1" lang="en-US" altLang="ja-JP" sz="1200" b="0" i="1" smtClean="0">
-                          <a:latin typeface="Cambria Math"/>
-                        </a:rPr>
-                        <m:t>𝑋</m:t>
-                      </m:r>
-                    </m:oMath>
-                  </m:oMathPara>
-                </a14:m>
-                <a:endParaRPr kumimoji="1" lang="ja-JP" altLang="en-US" sz="1200" dirty="0"/>
-              </a:p>
-            </p:txBody>
-          </p:sp>
-        </mc:Choice>
-        <mc:Fallback>
-          <p:sp>
-            <p:nvSpPr>
-              <p:cNvPr id="56" name="テキスト ボックス 55"/>
-              <p:cNvSpPr txBox="1">
-                <a:spLocks noRot="1" noChangeAspect="1" noMove="1" noResize="1" noEditPoints="1" noAdjustHandles="1" noChangeArrowheads="1" noChangeShapeType="1" noTextEdit="1"/>
-              </p:cNvSpPr>
-              <p:nvPr/>
-            </p:nvSpPr>
-            <p:spPr>
-              <a:xfrm>
-                <a:off x="2418871" y="5190496"/>
-                <a:ext cx="930896" cy="276999"/>
-              </a:xfrm>
-              <a:prstGeom prst="rect">
-                <a:avLst/>
-              </a:prstGeom>
-              <a:blipFill rotWithShape="1">
-                <a:blip r:embed="rId8"/>
-                <a:stretch>
-                  <a:fillRect r="-9091" b="-26087"/>
-                </a:stretch>
-              </a:blipFill>
-            </p:spPr>
-            <p:txBody>
-              <a:bodyPr/>
-              <a:lstStyle/>
-              <a:p>
-                <a:r>
-                  <a:rPr lang="ja-JP" altLang="en-US">
-                    <a:noFill/>
-                  </a:rPr>
-                  <a:t> </a:t>
-                </a:r>
-              </a:p>
-            </p:txBody>
-          </p:sp>
-        </mc:Fallback>
-      </mc:AlternateContent>
-      <mc:AlternateContent xmlns:mc="http://schemas.openxmlformats.org/markup-compatibility/2006">
-        <mc:Choice xmlns:a14="http://schemas.microsoft.com/office/drawing/2010/main" Requires="a14">
-          <p:sp>
-            <p:nvSpPr>
-              <p:cNvPr id="57" name="テキスト ボックス 56"/>
-              <p:cNvSpPr txBox="1"/>
-              <p:nvPr/>
-            </p:nvSpPr>
-            <p:spPr>
-              <a:xfrm>
-                <a:off x="2402628" y="5443158"/>
-                <a:ext cx="949106" cy="461665"/>
-              </a:xfrm>
-              <a:prstGeom prst="rect">
-                <a:avLst/>
-              </a:prstGeom>
-              <a:noFill/>
-            </p:spPr>
-            <p:txBody>
-              <a:bodyPr wrap="none" rtlCol="0">
-                <a:spAutoFit/>
-              </a:bodyPr>
-              <a:lstStyle/>
-              <a:p>
-                <a14:m>
-                  <m:oMathPara xmlns="" xmlns:m="http://schemas.openxmlformats.org/officeDocument/2006/math">
-                    <m:oMathParaPr>
-                      <m:jc m:val="centerGroup"/>
-                    </m:oMathParaPr>
-                    <m:oMath xmlns:m="http://schemas.openxmlformats.org/officeDocument/2006/math">
-                      <m:d>
-                        <m:dPr>
-                          <m:begChr m:val="{"/>
-                          <m:endChr m:val="}"/>
-                          <m:ctrlPr>
-                            <a:rPr kumimoji="1" lang="en-US" altLang="ja-JP" sz="1200" b="0" i="1" smtClean="0">
-                              <a:latin typeface="Cambria Math" panose="02040503050406030204" pitchFamily="18" charset="0"/>
-                            </a:rPr>
-                          </m:ctrlPr>
-                        </m:dPr>
-                        <m:e>
-                          <m:r>
-                            <a:rPr kumimoji="1" lang="en-US" altLang="ja-JP" sz="1200" b="0" i="1" smtClean="0">
-                              <a:latin typeface="Cambria Math"/>
-                            </a:rPr>
-                            <m:t>𝐶</m:t>
-                          </m:r>
-                          <m:r>
-                            <a:rPr kumimoji="1" lang="en-US" altLang="ja-JP" sz="1200" b="0" i="1" smtClean="0">
-                              <a:latin typeface="Cambria Math"/>
-                            </a:rPr>
-                            <m:t>,</m:t>
-                          </m:r>
-                          <m:r>
-                            <a:rPr kumimoji="1" lang="en-US" altLang="ja-JP" sz="1200" b="0" i="1" smtClean="0">
-                              <a:latin typeface="Cambria Math"/>
-                            </a:rPr>
-                            <m:t>𝐵</m:t>
-                          </m:r>
-                        </m:e>
-                      </m:d>
-                      <m:r>
-                        <a:rPr kumimoji="1" lang="en-US" altLang="ja-JP" sz="1200" b="0" i="1" smtClean="0">
-                          <a:latin typeface="Cambria Math"/>
-                        </a:rPr>
-                        <m:t>⇒</m:t>
-                      </m:r>
-                      <m:r>
-                        <a:rPr kumimoji="1" lang="en-US" altLang="ja-JP" sz="1200" b="0" i="1" smtClean="0">
-                          <a:latin typeface="Cambria Math"/>
-                        </a:rPr>
-                        <m:t>𝑌</m:t>
-                      </m:r>
-                    </m:oMath>
-                  </m:oMathPara>
-                </a14:m>
-                <a:endParaRPr kumimoji="1" lang="en-US" altLang="ja-JP" sz="1200" dirty="0" smtClean="0"/>
-              </a:p>
-              <a:p>
-                <a14:m>
-                  <m:oMathPara xmlns="" xmlns:m="http://schemas.openxmlformats.org/officeDocument/2006/math">
-                    <m:oMathParaPr>
-                      <m:jc m:val="centerGroup"/>
-                    </m:oMathParaPr>
-                    <m:oMath xmlns:m="http://schemas.openxmlformats.org/officeDocument/2006/math">
-                      <m:r>
-                        <a:rPr kumimoji="1" lang="en-US" altLang="ja-JP" sz="1200">
-                          <a:latin typeface="Cambria Math"/>
-                          <a:ea typeface="Cambria Math"/>
-                        </a:rPr>
-                        <m:t> </m:t>
-                      </m:r>
-                      <m:r>
-                        <a:rPr kumimoji="1" lang="en-US" altLang="ja-JP" sz="1200" i="1">
-                          <a:latin typeface="Cambria Math"/>
-                          <a:ea typeface="Cambria Math"/>
-                        </a:rPr>
-                        <m:t>⋮</m:t>
-                      </m:r>
-                    </m:oMath>
-                  </m:oMathPara>
-                </a14:m>
-                <a:endParaRPr kumimoji="1" lang="ja-JP" altLang="en-US" sz="1200" dirty="0"/>
-              </a:p>
-            </p:txBody>
-          </p:sp>
-        </mc:Choice>
-        <mc:Fallback>
-          <p:sp>
-            <p:nvSpPr>
-              <p:cNvPr id="57" name="テキスト ボックス 56"/>
-              <p:cNvSpPr txBox="1">
-                <a:spLocks noRot="1" noChangeAspect="1" noMove="1" noResize="1" noEditPoints="1" noAdjustHandles="1" noChangeArrowheads="1" noChangeShapeType="1" noTextEdit="1"/>
-              </p:cNvSpPr>
-              <p:nvPr/>
-            </p:nvSpPr>
-            <p:spPr>
-              <a:xfrm>
-                <a:off x="2402628" y="5443158"/>
-                <a:ext cx="949106" cy="461665"/>
-              </a:xfrm>
-              <a:prstGeom prst="rect">
-                <a:avLst/>
-              </a:prstGeom>
-              <a:blipFill rotWithShape="1">
-                <a:blip r:embed="rId9"/>
-                <a:stretch>
-                  <a:fillRect r="-6410" b="-33766"/>
-                </a:stretch>
-              </a:blipFill>
-            </p:spPr>
-            <p:txBody>
-              <a:bodyPr/>
-              <a:lstStyle/>
-              <a:p>
-                <a:r>
-                  <a:rPr lang="ja-JP" altLang="en-US">
-                    <a:noFill/>
-                  </a:rPr>
-                  <a:t> </a:t>
-                </a:r>
-              </a:p>
-            </p:txBody>
-          </p:sp>
-        </mc:Fallback>
-      </mc:AlternateContent>
-      <p:sp>
-        <p:nvSpPr>
-          <p:cNvPr id="58" name="テキスト ボックス 57"/>
-          <p:cNvSpPr txBox="1"/>
+      <p:sp>
+        <p:nvSpPr>
+          <p:cNvPr id="89" name="角丸四角形 88"/>
+          <p:cNvSpPr/>
           <p:nvPr/>
         </p:nvSpPr>
         <p:spPr>
           <a:xfrm>
-            <a:off x="2672506" y="5950502"/>
-            <a:ext cx="633507" cy="307777"/>
+            <a:off x="5179958" y="4538141"/>
+            <a:ext cx="1718424" cy="1313741"/>
           </a:xfrm>
-          <a:prstGeom prst="rect">
+          <a:prstGeom prst="roundRect">
             <a:avLst/>
           </a:prstGeom>
-          <a:solidFill>
-            <a:srgbClr val="FF0000"/>
-          </a:solidFill>
-        </p:spPr>
-        <p:txBody>
-          <a:bodyPr wrap="none" rtlCol="0">
-            <a:spAutoFit/>
-          </a:bodyPr>
-          <a:lstStyle/>
-          <a:p>
-            <a:pPr algn="ctr"/>
-            <a:r>
-              <a:rPr kumimoji="1" lang="en-US" altLang="ja-JP" sz="1400" b="1" dirty="0" smtClean="0">
-                <a:solidFill>
-                  <a:schemeClr val="bg1"/>
-                </a:solidFill>
-              </a:rPr>
-              <a:t>co-ref</a:t>
-            </a:r>
-            <a:endParaRPr kumimoji="1" lang="ja-JP" altLang="en-US" sz="1400" b="1" dirty="0">
-              <a:solidFill>
-                <a:schemeClr val="bg1"/>
-              </a:solidFill>
-            </a:endParaRPr>
-          </a:p>
-        </p:txBody>
-      </p:sp>
-      <p:sp>
-        <p:nvSpPr>
-          <p:cNvPr id="59" name="等号 58"/>
-          <p:cNvSpPr/>
-          <p:nvPr/>
-        </p:nvSpPr>
-        <p:spPr>
-          <a:xfrm>
-            <a:off x="3686635" y="5370017"/>
-            <a:ext cx="359145" cy="369332"/>
-          </a:xfrm>
-          <a:prstGeom prst="mathEqual">
-            <a:avLst/>
-          </a:prstGeom>
-          <a:solidFill>
-            <a:srgbClr val="558ED5"/>
-          </a:solidFill>
           <a:ln>
             <a:solidFill>
-              <a:srgbClr val="C6D9F1"/>
+              <a:srgbClr val="0000FF"/>
             </a:solidFill>
           </a:ln>
-          <a:effectLst/>
         </p:spPr>
         <p:style>
-          <a:lnRef idx="1">
+          <a:lnRef idx="2">
             <a:schemeClr val="accent1"/>
           </a:lnRef>
-          <a:fillRef idx="3">
-            <a:schemeClr val="accent1"/>
+          <a:fillRef idx="1">
+            <a:schemeClr val="lt1"/>
           </a:fillRef>
-          <a:effectRef idx="2">
+          <a:effectRef idx="0">
             <a:schemeClr val="accent1"/>
           </a:effectRef>
           <a:fontRef idx="minor">
-            <a:schemeClr val="lt1"/>
+            <a:schemeClr val="dk1"/>
           </a:fontRef>
         </p:style>
         <p:txBody>
@@ -6663,23 +5349,19 @@
           <a:lstStyle/>
           <a:p>
             <a:pPr algn="ctr"/>
-            <a:endParaRPr kumimoji="1" lang="ja-JP" altLang="en-US">
-              <a:solidFill>
-                <a:schemeClr val="tx1"/>
-              </a:solidFill>
-            </a:endParaRPr>
-          </a:p>
-        </p:txBody>
-      </p:sp>
-      <p:sp>
-        <p:nvSpPr>
-          <p:cNvPr id="60" name="メモ 59"/>
+            <a:endParaRPr kumimoji="1" lang="ja-JP" altLang="en-US"/>
+          </a:p>
+        </p:txBody>
+      </p:sp>
+      <p:sp>
+        <p:nvSpPr>
+          <p:cNvPr id="90" name="メモ 89"/>
           <p:cNvSpPr/>
           <p:nvPr/>
         </p:nvSpPr>
         <p:spPr>
           <a:xfrm>
-            <a:off x="4328746" y="5631783"/>
+            <a:off x="6218795" y="5098681"/>
             <a:ext cx="373994" cy="369332"/>
           </a:xfrm>
           <a:prstGeom prst="foldedCorner">
@@ -6730,14 +5412,14 @@
       </p:sp>
       <p:sp>
         <p:nvSpPr>
-          <p:cNvPr id="61" name="テキスト ボックス 60"/>
+          <p:cNvPr id="91" name="テキスト ボックス 90"/>
           <p:cNvSpPr txBox="1"/>
           <p:nvPr/>
         </p:nvSpPr>
         <p:spPr>
           <a:xfrm>
-            <a:off x="4136128" y="5247918"/>
-            <a:ext cx="838691" cy="338554"/>
+            <a:off x="5475189" y="4639046"/>
+            <a:ext cx="630664" cy="369332"/>
           </a:xfrm>
           <a:prstGeom prst="rect">
             <a:avLst/>
@@ -6751,29 +5433,23 @@
           <a:lstStyle/>
           <a:p>
             <a:r>
-              <a:rPr kumimoji="1" lang="en-US" altLang="ja-JP" sz="1600" b="1">
-                <a:latin typeface="+mj-ea"/>
-                <a:ea typeface="+mj-ea"/>
-              </a:rPr>
-              <a:t>Change</a:t>
-            </a:r>
-            <a:endParaRPr kumimoji="1" lang="ja-JP" altLang="en-US" sz="1600" b="1">
-              <a:latin typeface="+mj-ea"/>
-              <a:ea typeface="+mj-ea"/>
-            </a:endParaRPr>
-          </a:p>
-        </p:txBody>
-      </p:sp>
-      <p:sp>
-        <p:nvSpPr>
-          <p:cNvPr id="62" name="テキスト ボックス 61"/>
+              <a:rPr lang="en-US" altLang="ja-JP"/>
+              <a:t>No.1</a:t>
+            </a:r>
+            <a:endParaRPr kumimoji="1" lang="ja-JP" altLang="en-US"/>
+          </a:p>
+        </p:txBody>
+      </p:sp>
+      <p:sp>
+        <p:nvSpPr>
+          <p:cNvPr id="92" name="テキスト ボックス 91"/>
           <p:cNvSpPr txBox="1"/>
           <p:nvPr/>
         </p:nvSpPr>
         <p:spPr>
           <a:xfrm>
-            <a:off x="1190705" y="4468881"/>
-            <a:ext cx="3597109" cy="369332"/>
+            <a:off x="5475189" y="5082554"/>
+            <a:ext cx="630664" cy="369332"/>
           </a:xfrm>
           <a:prstGeom prst="rect">
             <a:avLst/>
@@ -6788,11 +5464,94 @@
           <a:p>
             <a:r>
               <a:rPr lang="en-US" altLang="ja-JP"/>
-              <a:t>4</a:t>
-            </a:r>
+              <a:t>No.2</a:t>
+            </a:r>
+            <a:endParaRPr kumimoji="1" lang="ja-JP" altLang="en-US"/>
+          </a:p>
+        </p:txBody>
+      </p:sp>
+      <p:sp>
+        <p:nvSpPr>
+          <p:cNvPr id="93" name="メモ 92"/>
+          <p:cNvSpPr/>
+          <p:nvPr/>
+        </p:nvSpPr>
+        <p:spPr>
+          <a:xfrm>
+            <a:off x="6218795" y="4664336"/>
+            <a:ext cx="373994" cy="369332"/>
+          </a:xfrm>
+          <a:prstGeom prst="foldedCorner">
+            <a:avLst/>
+          </a:prstGeom>
+          <a:solidFill>
+            <a:schemeClr val="tx2">
+              <a:lumMod val="20000"/>
+              <a:lumOff val="80000"/>
+            </a:schemeClr>
+          </a:solidFill>
+          <a:effectLst/>
+        </p:spPr>
+        <p:style>
+          <a:lnRef idx="1">
+            <a:schemeClr val="accent1"/>
+          </a:lnRef>
+          <a:fillRef idx="3">
+            <a:schemeClr val="accent1"/>
+          </a:fillRef>
+          <a:effectRef idx="2">
+            <a:schemeClr val="accent1"/>
+          </a:effectRef>
+          <a:fontRef idx="minor">
+            <a:schemeClr val="lt1"/>
+          </a:fontRef>
+        </p:style>
+        <p:txBody>
+          <a:bodyPr rtlCol="0" anchor="ctr"/>
+          <a:lstStyle/>
+          <a:p>
+            <a:pPr algn="ctr"/>
+            <a:r>
+              <a:rPr lang="en-US" altLang="ja-JP" b="1" i="1">
+                <a:solidFill>
+                  <a:srgbClr val="000000"/>
+                </a:solidFill>
+              </a:rPr>
+              <a:t>Z</a:t>
+            </a:r>
+            <a:endParaRPr kumimoji="1" lang="ja-JP" altLang="en-US" b="1" i="1">
+              <a:solidFill>
+                <a:srgbClr val="000000"/>
+              </a:solidFill>
+            </a:endParaRPr>
+          </a:p>
+        </p:txBody>
+      </p:sp>
+      <p:sp>
+        <p:nvSpPr>
+          <p:cNvPr id="94" name="テキスト ボックス 93"/>
+          <p:cNvSpPr txBox="1"/>
+          <p:nvPr/>
+        </p:nvSpPr>
+        <p:spPr>
+          <a:xfrm rot="5400000">
+            <a:off x="5585574" y="5495196"/>
+            <a:ext cx="344039" cy="369332"/>
+          </a:xfrm>
+          <a:prstGeom prst="rect">
+            <a:avLst/>
+          </a:prstGeom>
+          <a:noFill/>
+        </p:spPr>
+        <p:txBody>
+          <a:bodyPr wrap="none" rtlCol="0">
+            <a:spAutoFit/>
+          </a:bodyPr>
+          <a:lstStyle/>
+          <a:p>
             <a:r>
               <a:rPr kumimoji="1" lang="en-US" altLang="ja-JP"/>
-              <a:t>) Perform change recommendation</a:t>
+              <a:t>…</a:t>
             </a:r>
             <a:endParaRPr kumimoji="1" lang="ja-JP" altLang="en-US"/>
           </a:p>
@@ -6800,32 +5559,139 @@
       </p:sp>
       <p:cxnSp>
         <p:nvCxnSpPr>
-          <p:cNvPr id="63" name="直線矢印コネクタ 62"/>
-          <p:cNvCxnSpPr/>
+          <p:cNvPr id="95" name="曲線コネクタ 94"/>
+          <p:cNvCxnSpPr>
+            <a:stCxn id="89" idx="2"/>
+            <a:endCxn id="88" idx="1"/>
+          </p:cNvCxnSpPr>
           <p:nvPr/>
         </p:nvCxnSpPr>
         <p:spPr>
-          <a:xfrm>
-            <a:off x="5657619" y="5631783"/>
-            <a:ext cx="665405" cy="0"/>
+          <a:xfrm rot="16200000" flipH="1">
+            <a:off x="6063618" y="5827433"/>
+            <a:ext cx="504722" cy="553619"/>
           </a:xfrm>
-          <a:prstGeom prst="straightConnector1">
+          <a:prstGeom prst="curvedConnector2">
             <a:avLst/>
           </a:prstGeom>
-          <a:noFill/>
-          <a:ln w="9525" cap="flat" cmpd="sng" algn="ctr">
+          <a:ln>
             <a:solidFill>
-              <a:srgbClr val="4F81BD">
-                <a:shade val="95000"/>
-                <a:satMod val="105000"/>
-              </a:srgbClr>
+              <a:srgbClr val="0000FF"/>
             </a:solidFill>
-            <a:prstDash val="solid"/>
             <a:tailEnd type="arrow"/>
           </a:ln>
           <a:effectLst/>
         </p:spPr>
+        <p:style>
+          <a:lnRef idx="2">
+            <a:schemeClr val="accent1"/>
+          </a:lnRef>
+          <a:fillRef idx="0">
+            <a:schemeClr val="accent1"/>
+          </a:fillRef>
+          <a:effectRef idx="1">
+            <a:schemeClr val="accent1"/>
+          </a:effectRef>
+          <a:fontRef idx="minor">
+            <a:schemeClr val="tx1"/>
+          </a:fontRef>
+        </p:style>
       </p:cxnSp>
+      <p:sp>
+        <p:nvSpPr>
+          <p:cNvPr id="97" name="テキスト ボックス 96"/>
+          <p:cNvSpPr txBox="1"/>
+          <p:nvPr/>
+        </p:nvSpPr>
+        <p:spPr>
+          <a:xfrm>
+            <a:off x="3909646" y="5499103"/>
+            <a:ext cx="633507" cy="307777"/>
+          </a:xfrm>
+          <a:prstGeom prst="rect">
+            <a:avLst/>
+          </a:prstGeom>
+          <a:solidFill>
+            <a:srgbClr val="FF0000"/>
+          </a:solidFill>
+        </p:spPr>
+        <p:txBody>
+          <a:bodyPr wrap="none" rtlCol="0">
+            <a:spAutoFit/>
+          </a:bodyPr>
+          <a:lstStyle/>
+          <a:p>
+            <a:pPr algn="ctr"/>
+            <a:r>
+              <a:rPr kumimoji="1" lang="en-US" altLang="ja-JP" sz="1400" b="1" dirty="0" smtClean="0">
+                <a:solidFill>
+                  <a:schemeClr val="bg1"/>
+                </a:solidFill>
+              </a:rPr>
+              <a:t>co-ref</a:t>
+            </a:r>
+            <a:endParaRPr kumimoji="1" lang="ja-JP" altLang="en-US" sz="1400" b="1" dirty="0">
+              <a:solidFill>
+                <a:schemeClr val="bg1"/>
+              </a:solidFill>
+            </a:endParaRPr>
+          </a:p>
+        </p:txBody>
+      </p:sp>
+      <p:sp>
+        <p:nvSpPr>
+          <p:cNvPr id="98" name="テキスト ボックス 97"/>
+          <p:cNvSpPr txBox="1"/>
+          <p:nvPr/>
+        </p:nvSpPr>
+        <p:spPr>
+          <a:xfrm>
+            <a:off x="6706294" y="5474350"/>
+            <a:ext cx="671979" cy="307777"/>
+          </a:xfrm>
+          <a:prstGeom prst="rect">
+            <a:avLst/>
+          </a:prstGeom>
+          <a:solidFill>
+            <a:srgbClr val="0000FF"/>
+          </a:solidFill>
+          <a:ln>
+            <a:solidFill>
+              <a:srgbClr val="0000FF"/>
+            </a:solidFill>
+          </a:ln>
+        </p:spPr>
+        <p:txBody>
+          <a:bodyPr wrap="none" rtlCol="0">
+            <a:spAutoFit/>
+          </a:bodyPr>
+          <a:lstStyle/>
+          <a:p>
+            <a:pPr algn="ctr"/>
+            <a:r>
+              <a:rPr kumimoji="1" lang="en-US" altLang="ja-JP" sz="1400" b="1" dirty="0" smtClean="0">
+                <a:solidFill>
+                  <a:schemeClr val="bg1"/>
+                </a:solidFill>
+              </a:rPr>
+              <a:t>co-</a:t>
+            </a:r>
+            <a:r>
+              <a:rPr kumimoji="1" lang="en-US" altLang="ja-JP" sz="1400" b="1" dirty="0" err="1" smtClean="0">
+                <a:solidFill>
+                  <a:schemeClr val="bg1"/>
+                </a:solidFill>
+              </a:rPr>
+              <a:t>chg</a:t>
+            </a:r>
+            <a:endParaRPr kumimoji="1" lang="ja-JP" altLang="en-US" sz="1400" b="1" dirty="0">
+              <a:solidFill>
+                <a:schemeClr val="bg1"/>
+              </a:solidFill>
+            </a:endParaRPr>
+          </a:p>
+        </p:txBody>
+      </p:sp>
     </p:spTree>
     <p:extLst>
       <p:ext uri="{BB962C8B-B14F-4D97-AF65-F5344CB8AC3E}">
